--- a/제안서 피피티.pptx
+++ b/제안서 피피티.pptx
@@ -2,7 +2,7 @@
 <file path=ppt/presentation.xml><?xml version="1.0" encoding="utf-8"?>
 <p:presentation xmlns:r="http://schemas.openxmlformats.org/officeDocument/2006/relationships" xmlns:c="http://schemas.openxmlformats.org/drawingml/2006/chart" xmlns:a="http://schemas.openxmlformats.org/drawingml/2006/main" xmlns:dgm="http://schemas.openxmlformats.org/drawingml/2006/diagram" xmlns:dsp="http://schemas.microsoft.com/office/drawing/2008/diagram" xmlns:p="http://schemas.openxmlformats.org/presentationml/2006/main">
   <p:sldMasterIdLst>
-    <p:sldMasterId id="2147483661" r:id="rId1"/>
+    <p:sldMasterId id="2147483665" r:id="rId1"/>
   </p:sldMasterIdLst>
   <p:sldIdLst>
     <p:sldId id="256" r:id="rId2"/>
@@ -4603,8 +4603,8 @@
         </p:nvSpPr>
         <p:spPr>
           <a:xfrm>
-            <a:off x="753974" y="3116678"/>
-            <a:ext cx="2160270" cy="624742"/>
+            <a:off x="784373" y="3116629"/>
+            <a:ext cx="2160270" cy="624791"/>
           </a:xfrm>
           <a:prstGeom prst="rect">
             <a:avLst/>
@@ -4702,8 +4702,8 @@
         </p:nvSpPr>
         <p:spPr>
           <a:xfrm>
-            <a:off x="453104" y="3911194"/>
-            <a:ext cx="2775301" cy="1554251"/>
+            <a:off x="392306" y="3921277"/>
+            <a:ext cx="3080509" cy="1917466"/>
           </a:xfrm>
           <a:prstGeom prst="rect">
             <a:avLst/>
@@ -4723,7 +4723,7 @@
               <a:defRPr/>
             </a:pPr>
             <a:r>
-              <a:rPr lang="ko-KR" altLang="en-US" sz="2400" b="1">
+              <a:rPr lang="ko-KR" altLang="en-US" sz="3000" b="1">
                 <a:gradFill>
                   <a:gsLst>
                     <a:gs pos="0">
@@ -4740,7 +4740,7 @@
               </a:rPr>
               <a:t>프로젝트 필요성 </a:t>
             </a:r>
-            <a:endParaRPr lang="ko-KR" altLang="en-US" sz="2400" b="1">
+            <a:endParaRPr lang="ko-KR" altLang="en-US" sz="3000" b="1">
               <a:gradFill>
                 <a:gsLst>
                   <a:gs pos="0">
@@ -4764,7 +4764,7 @@
               <a:defRPr/>
             </a:pPr>
             <a:r>
-              <a:rPr lang="ko-KR" altLang="en-US" sz="2400" b="1">
+              <a:rPr lang="ko-KR" altLang="en-US" sz="3000" b="1">
                 <a:gradFill>
                   <a:gsLst>
                     <a:gs pos="0">
@@ -4781,7 +4781,7 @@
               </a:rPr>
               <a:t>및 목표</a:t>
             </a:r>
-            <a:endParaRPr lang="ko-KR" altLang="en-US" sz="2400" b="1">
+            <a:endParaRPr lang="ko-KR" altLang="en-US" sz="3000" b="1">
               <a:gradFill>
                 <a:gsLst>
                   <a:gs pos="0">
@@ -4795,148 +4795,6 @@
               </a:gradFill>
               <a:latin typeface="KoPub돋움체 Medium"/>
               <a:ea typeface="KoPub돋움체 Medium"/>
-            </a:endParaRPr>
-          </a:p>
-        </p:txBody>
-      </p:sp>
-      <p:sp>
-        <p:nvSpPr>
-          <p:cNvPr id="11" name="TextBox 10"/>
-          <p:cNvSpPr txBox="1"/>
-          <p:nvPr/>
-        </p:nvSpPr>
-        <p:spPr>
-          <a:xfrm>
-            <a:off x="6744875" y="3890929"/>
-            <a:ext cx="1078230" cy="641066"/>
-          </a:xfrm>
-          <a:prstGeom prst="rect">
-            <a:avLst/>
-          </a:prstGeom>
-          <a:noFill/>
-        </p:spPr>
-        <p:txBody>
-          <a:bodyPr wrap="none">
-            <a:spAutoFit/>
-          </a:bodyPr>
-          <a:lstStyle/>
-          <a:p>
-            <a:pPr algn="ctr">
-              <a:lnSpc>
-                <a:spcPct val="200000"/>
-              </a:lnSpc>
-              <a:defRPr/>
-            </a:pPr>
-            <a:r>
-              <a:rPr lang="ko-KR" altLang="en-US" b="1">
-                <a:gradFill>
-                  <a:gsLst>
-                    <a:gs pos="0">
-                      <a:schemeClr val="bg1"/>
-                    </a:gs>
-                    <a:gs pos="100000">
-                      <a:schemeClr val="bg1"/>
-                    </a:gs>
-                  </a:gsLst>
-                  <a:lin ang="5400000" scaled="1"/>
-                </a:gradFill>
-                <a:latin typeface="KoPub돋움체 Medium"/>
-                <a:ea typeface="KoPub돋움체 Medium"/>
-              </a:rPr>
-              <a:t>수행방법</a:t>
-            </a:r>
-            <a:endParaRPr lang="ko-KR" altLang="en-US" b="1">
-              <a:gradFill>
-                <a:gsLst>
-                  <a:gs pos="0">
-                    <a:schemeClr val="bg1"/>
-                  </a:gs>
-                  <a:gs pos="100000">
-                    <a:schemeClr val="bg1"/>
-                  </a:gs>
-                </a:gsLst>
-                <a:lin ang="5400000" scaled="1"/>
-              </a:gradFill>
-              <a:latin typeface="KoPub돋움체 Medium"/>
-              <a:ea typeface="KoPub돋움체 Medium"/>
-            </a:endParaRPr>
-          </a:p>
-        </p:txBody>
-      </p:sp>
-      <p:sp>
-        <p:nvSpPr>
-          <p:cNvPr id="14" name=""/>
-          <p:cNvSpPr txBox="1"/>
-          <p:nvPr/>
-        </p:nvSpPr>
-        <p:spPr>
-          <a:xfrm>
-            <a:off x="3790747" y="4026846"/>
-            <a:ext cx="2305253" cy="362274"/>
-          </a:xfrm>
-          <a:prstGeom prst="rect">
-            <a:avLst/>
-          </a:prstGeom>
-        </p:spPr>
-        <p:txBody>
-          <a:bodyPr wrap="square">
-            <a:spAutoFit/>
-          </a:bodyPr>
-          <a:p>
-            <a:pPr>
-              <a:defRPr/>
-            </a:pPr>
-            <a:r>
-              <a:rPr lang="ko-KR" altLang="en-US">
-                <a:solidFill>
-                  <a:schemeClr val="lt1"/>
-                </a:solidFill>
-              </a:rPr>
-              <a:t>수행내용 및 일정</a:t>
-            </a:r>
-            <a:endParaRPr lang="ko-KR" altLang="en-US">
-              <a:solidFill>
-                <a:schemeClr val="lt1"/>
-              </a:solidFill>
-            </a:endParaRPr>
-          </a:p>
-        </p:txBody>
-      </p:sp>
-      <p:sp>
-        <p:nvSpPr>
-          <p:cNvPr id="15" name=""/>
-          <p:cNvSpPr txBox="1"/>
-          <p:nvPr/>
-        </p:nvSpPr>
-        <p:spPr>
-          <a:xfrm>
-            <a:off x="9171359" y="4016713"/>
-            <a:ext cx="2512978" cy="362882"/>
-          </a:xfrm>
-          <a:prstGeom prst="rect">
-            <a:avLst/>
-          </a:prstGeom>
-        </p:spPr>
-        <p:txBody>
-          <a:bodyPr wrap="square">
-            <a:spAutoFit/>
-          </a:bodyPr>
-          <a:p>
-            <a:pPr>
-              <a:defRPr/>
-            </a:pPr>
-            <a:r>
-              <a:rPr lang="ko-KR" altLang="en-US">
-                <a:solidFill>
-                  <a:schemeClr val="lt1"/>
-                </a:solidFill>
-              </a:rPr>
-              <a:t>기대효과 및 활용방안</a:t>
-            </a:r>
-            <a:endParaRPr lang="ko-KR" altLang="en-US">
-              <a:solidFill>
-                <a:schemeClr val="lt1"/>
-              </a:solidFill>
             </a:endParaRPr>
           </a:p>
         </p:txBody>
@@ -5238,6 +5096,280 @@
           </a:p>
         </p:txBody>
       </p:sp>
+      <p:sp>
+        <p:nvSpPr>
+          <p:cNvPr id="19" name="TextBox 8"/>
+          <p:cNvSpPr txBox="1"/>
+          <p:nvPr/>
+        </p:nvSpPr>
+        <p:spPr>
+          <a:xfrm>
+            <a:off x="3249806" y="3971942"/>
+            <a:ext cx="3062472" cy="1918681"/>
+          </a:xfrm>
+          <a:prstGeom prst="rect">
+            <a:avLst/>
+          </a:prstGeom>
+          <a:noFill/>
+        </p:spPr>
+        <p:txBody>
+          <a:bodyPr wrap="square">
+            <a:spAutoFit/>
+          </a:bodyPr>
+          <a:lstStyle/>
+          <a:p>
+            <a:pPr algn="ctr">
+              <a:lnSpc>
+                <a:spcPct val="200000"/>
+              </a:lnSpc>
+              <a:defRPr/>
+            </a:pPr>
+            <a:r>
+              <a:rPr lang="ko-KR" altLang="en-US" sz="3000" b="1">
+                <a:gradFill>
+                  <a:gsLst>
+                    <a:gs pos="0">
+                      <a:schemeClr val="bg1"/>
+                    </a:gs>
+                    <a:gs pos="100000">
+                      <a:schemeClr val="bg1"/>
+                    </a:gs>
+                  </a:gsLst>
+                  <a:lin ang="5400000" scaled="1"/>
+                </a:gradFill>
+                <a:latin typeface="KoPub돋움체 Medium"/>
+                <a:ea typeface="KoPub돋움체 Medium"/>
+              </a:rPr>
+              <a:t>수행내용 </a:t>
+            </a:r>
+            <a:endParaRPr lang="ko-KR" altLang="en-US" sz="3000" b="1">
+              <a:gradFill>
+                <a:gsLst>
+                  <a:gs pos="0">
+                    <a:schemeClr val="bg1"/>
+                  </a:gs>
+                  <a:gs pos="100000">
+                    <a:schemeClr val="bg1"/>
+                  </a:gs>
+                </a:gsLst>
+                <a:lin ang="5400000" scaled="1"/>
+              </a:gradFill>
+              <a:latin typeface="KoPub돋움체 Medium"/>
+              <a:ea typeface="KoPub돋움체 Medium"/>
+            </a:endParaRPr>
+          </a:p>
+          <a:p>
+            <a:pPr algn="ctr">
+              <a:lnSpc>
+                <a:spcPct val="200000"/>
+              </a:lnSpc>
+              <a:defRPr/>
+            </a:pPr>
+            <a:r>
+              <a:rPr lang="ko-KR" altLang="en-US" sz="3000" b="1">
+                <a:gradFill>
+                  <a:gsLst>
+                    <a:gs pos="0">
+                      <a:schemeClr val="bg1"/>
+                    </a:gs>
+                    <a:gs pos="100000">
+                      <a:schemeClr val="bg1"/>
+                    </a:gs>
+                  </a:gsLst>
+                  <a:lin ang="5400000" scaled="1"/>
+                </a:gradFill>
+                <a:latin typeface="KoPub돋움체 Medium"/>
+                <a:ea typeface="KoPub돋움체 Medium"/>
+              </a:rPr>
+              <a:t>및 일정</a:t>
+            </a:r>
+            <a:endParaRPr lang="ko-KR" altLang="en-US" sz="3000" b="1">
+              <a:gradFill>
+                <a:gsLst>
+                  <a:gs pos="0">
+                    <a:schemeClr val="bg1"/>
+                  </a:gs>
+                  <a:gs pos="100000">
+                    <a:schemeClr val="bg1"/>
+                  </a:gs>
+                </a:gsLst>
+                <a:lin ang="5400000" scaled="1"/>
+              </a:gradFill>
+              <a:latin typeface="KoPub돋움체 Medium"/>
+              <a:ea typeface="KoPub돋움체 Medium"/>
+            </a:endParaRPr>
+          </a:p>
+        </p:txBody>
+      </p:sp>
+      <p:sp>
+        <p:nvSpPr>
+          <p:cNvPr id="20" name="TextBox 8"/>
+          <p:cNvSpPr txBox="1"/>
+          <p:nvPr/>
+        </p:nvSpPr>
+        <p:spPr>
+          <a:xfrm>
+            <a:off x="6096000" y="3921278"/>
+            <a:ext cx="3091655" cy="1001242"/>
+          </a:xfrm>
+          <a:prstGeom prst="rect">
+            <a:avLst/>
+          </a:prstGeom>
+          <a:noFill/>
+        </p:spPr>
+        <p:txBody>
+          <a:bodyPr wrap="square">
+            <a:spAutoFit/>
+          </a:bodyPr>
+          <a:lstStyle/>
+          <a:p>
+            <a:pPr algn="ctr">
+              <a:lnSpc>
+                <a:spcPct val="200000"/>
+              </a:lnSpc>
+              <a:defRPr/>
+            </a:pPr>
+            <a:r>
+              <a:rPr lang="ko-KR" altLang="en-US" sz="3000" b="1">
+                <a:gradFill>
+                  <a:gsLst>
+                    <a:gs pos="0">
+                      <a:schemeClr val="bg1"/>
+                    </a:gs>
+                    <a:gs pos="100000">
+                      <a:schemeClr val="bg1"/>
+                    </a:gs>
+                  </a:gsLst>
+                  <a:lin ang="5400000" scaled="1"/>
+                </a:gradFill>
+                <a:latin typeface="KoPub돋움체 Medium"/>
+                <a:ea typeface="KoPub돋움체 Medium"/>
+              </a:rPr>
+              <a:t>수행방법</a:t>
+            </a:r>
+            <a:endParaRPr lang="ko-KR" altLang="en-US" sz="3000" b="1">
+              <a:gradFill>
+                <a:gsLst>
+                  <a:gs pos="0">
+                    <a:schemeClr val="bg1"/>
+                  </a:gs>
+                  <a:gs pos="100000">
+                    <a:schemeClr val="bg1"/>
+                  </a:gs>
+                </a:gsLst>
+                <a:lin ang="5400000" scaled="1"/>
+              </a:gradFill>
+              <a:latin typeface="KoPub돋움체 Medium"/>
+              <a:ea typeface="KoPub돋움체 Medium"/>
+            </a:endParaRPr>
+          </a:p>
+        </p:txBody>
+      </p:sp>
+      <p:sp>
+        <p:nvSpPr>
+          <p:cNvPr id="21" name="TextBox 8"/>
+          <p:cNvSpPr txBox="1"/>
+          <p:nvPr/>
+        </p:nvSpPr>
+        <p:spPr>
+          <a:xfrm>
+            <a:off x="8964807" y="3880745"/>
+            <a:ext cx="3090033" cy="1918075"/>
+          </a:xfrm>
+          <a:prstGeom prst="rect">
+            <a:avLst/>
+          </a:prstGeom>
+          <a:noFill/>
+        </p:spPr>
+        <p:txBody>
+          <a:bodyPr wrap="square">
+            <a:spAutoFit/>
+          </a:bodyPr>
+          <a:lstStyle/>
+          <a:p>
+            <a:pPr algn="ctr">
+              <a:lnSpc>
+                <a:spcPct val="200000"/>
+              </a:lnSpc>
+              <a:defRPr/>
+            </a:pPr>
+            <a:r>
+              <a:rPr lang="ko-KR" altLang="en-US" sz="3000" b="1">
+                <a:gradFill>
+                  <a:gsLst>
+                    <a:gs pos="0">
+                      <a:schemeClr val="bg1"/>
+                    </a:gs>
+                    <a:gs pos="100000">
+                      <a:schemeClr val="bg1"/>
+                    </a:gs>
+                  </a:gsLst>
+                  <a:lin ang="5400000" scaled="1"/>
+                </a:gradFill>
+                <a:latin typeface="KoPub돋움체 Medium"/>
+                <a:ea typeface="KoPub돋움체 Medium"/>
+              </a:rPr>
+              <a:t>기대효과 및 </a:t>
+            </a:r>
+            <a:endParaRPr lang="ko-KR" altLang="en-US" sz="3000" b="1">
+              <a:gradFill>
+                <a:gsLst>
+                  <a:gs pos="0">
+                    <a:schemeClr val="bg1"/>
+                  </a:gs>
+                  <a:gs pos="100000">
+                    <a:schemeClr val="bg1"/>
+                  </a:gs>
+                </a:gsLst>
+                <a:lin ang="5400000" scaled="1"/>
+              </a:gradFill>
+              <a:latin typeface="KoPub돋움체 Medium"/>
+              <a:ea typeface="KoPub돋움체 Medium"/>
+            </a:endParaRPr>
+          </a:p>
+          <a:p>
+            <a:pPr algn="ctr">
+              <a:lnSpc>
+                <a:spcPct val="200000"/>
+              </a:lnSpc>
+              <a:defRPr/>
+            </a:pPr>
+            <a:r>
+              <a:rPr lang="ko-KR" altLang="en-US" sz="3000" b="1">
+                <a:gradFill>
+                  <a:gsLst>
+                    <a:gs pos="0">
+                      <a:schemeClr val="bg1"/>
+                    </a:gs>
+                    <a:gs pos="100000">
+                      <a:schemeClr val="bg1"/>
+                    </a:gs>
+                  </a:gsLst>
+                  <a:lin ang="5400000" scaled="1"/>
+                </a:gradFill>
+                <a:latin typeface="KoPub돋움체 Medium"/>
+                <a:ea typeface="KoPub돋움체 Medium"/>
+              </a:rPr>
+              <a:t>활용방안</a:t>
+            </a:r>
+            <a:endParaRPr lang="ko-KR" altLang="en-US" sz="3000" b="1">
+              <a:gradFill>
+                <a:gsLst>
+                  <a:gs pos="0">
+                    <a:schemeClr val="bg1"/>
+                  </a:gs>
+                  <a:gs pos="100000">
+                    <a:schemeClr val="bg1"/>
+                  </a:gs>
+                </a:gsLst>
+                <a:lin ang="5400000" scaled="1"/>
+              </a:gradFill>
+              <a:latin typeface="KoPub돋움체 Medium"/>
+              <a:ea typeface="KoPub돋움체 Medium"/>
+            </a:endParaRPr>
+          </a:p>
+        </p:txBody>
+      </p:sp>
     </p:spTree>
   </p:cSld>
   <p:clrMapOvr>
@@ -5271,6 +5403,56 @@
           <a:chExt cx="0" cy="0"/>
         </a:xfrm>
       </p:grpSpPr>
+      <p:sp>
+        <p:nvSpPr>
+          <p:cNvPr id="30" name="사각형: 둥근 모서리 23"/>
+          <p:cNvSpPr/>
+          <p:nvPr/>
+        </p:nvSpPr>
+        <p:spPr>
+          <a:xfrm>
+            <a:off x="1661673" y="1507658"/>
+            <a:ext cx="8868653" cy="1799746"/>
+          </a:xfrm>
+          <a:prstGeom prst="roundRect">
+            <a:avLst>
+              <a:gd name="adj" fmla="val 23463"/>
+            </a:avLst>
+          </a:prstGeom>
+          <a:noFill/>
+          <a:ln w="25400">
+            <a:solidFill>
+              <a:srgbClr val="afabab"/>
+            </a:solidFill>
+          </a:ln>
+        </p:spPr>
+        <p:style>
+          <a:lnRef idx="2">
+            <a:schemeClr val="accent1">
+              <a:shade val="50000"/>
+            </a:schemeClr>
+          </a:lnRef>
+          <a:fillRef idx="1">
+            <a:schemeClr val="accent1"/>
+          </a:fillRef>
+          <a:effectRef idx="0">
+            <a:schemeClr val="accent1"/>
+          </a:effectRef>
+          <a:fontRef idx="minor">
+            <a:schemeClr val="lt1"/>
+          </a:fontRef>
+        </p:style>
+        <p:txBody>
+          <a:bodyPr anchor="ctr"/>
+          <a:lstStyle/>
+          <a:p>
+            <a:pPr algn="ctr">
+              <a:defRPr/>
+            </a:pPr>
+            <a:endParaRPr lang="ko-KR" altLang="en-US"/>
+          </a:p>
+        </p:txBody>
+      </p:sp>
       <p:grpSp>
         <p:nvGrpSpPr>
           <p:cNvPr id="27" name=""/>
@@ -5597,7 +5779,7 @@
         <p:spPr>
           <a:xfrm>
             <a:off x="283097" y="26826"/>
-            <a:ext cx="6609193" cy="771369"/>
+            <a:ext cx="6247243" cy="771369"/>
           </a:xfrm>
           <a:prstGeom prst="rect">
             <a:avLst/>
@@ -5613,24 +5795,6 @@
             <a:pPr lvl="0">
               <a:defRPr/>
             </a:pPr>
-            <a:r>
-              <a:rPr lang="en-US" altLang="ko-KR" sz="4500" b="1">
-                <a:gradFill>
-                  <a:gsLst>
-                    <a:gs pos="0">
-                      <a:schemeClr val="bg1"/>
-                    </a:gs>
-                    <a:gs pos="100000">
-                      <a:schemeClr val="bg1"/>
-                    </a:gs>
-                  </a:gsLst>
-                  <a:lin ang="5400000" scaled="1"/>
-                </a:gradFill>
-                <a:latin typeface="KoPub돋움체 Bold"/>
-                <a:ea typeface="KoPub돋움체 Bold"/>
-              </a:rPr>
-              <a:t>- </a:t>
-            </a:r>
             <a:r>
               <a:rPr lang="ko-KR" altLang="en-US" sz="4500" b="1">
                 <a:gradFill>
@@ -5664,6 +5828,290 @@
               <a:latin typeface="KoPub돋움체 Bold"/>
               <a:ea typeface="KoPub돋움체 Bold"/>
             </a:endParaRPr>
+          </a:p>
+        </p:txBody>
+      </p:sp>
+      <p:sp>
+        <p:nvSpPr>
+          <p:cNvPr id="28" name=""/>
+          <p:cNvSpPr txBox="1"/>
+          <p:nvPr/>
+        </p:nvSpPr>
+        <p:spPr>
+          <a:xfrm>
+            <a:off x="1186570" y="1909051"/>
+            <a:ext cx="9818860" cy="1070571"/>
+          </a:xfrm>
+          <a:prstGeom prst="rect">
+            <a:avLst/>
+          </a:prstGeom>
+        </p:spPr>
+        <p:txBody>
+          <a:bodyPr wrap="square">
+            <a:spAutoFit/>
+          </a:bodyPr>
+          <a:p>
+            <a:pPr algn="ctr">
+              <a:defRPr/>
+            </a:pPr>
+            <a:r>
+              <a:rPr lang="ko-KR" altLang="en-US" sz="3200"/>
+              <a:t>제대로 정리된 소프트웨어가 없어 </a:t>
+            </a:r>
+            <a:endParaRPr lang="ko-KR" altLang="en-US" sz="3200"/>
+          </a:p>
+          <a:p>
+            <a:pPr algn="ctr">
+              <a:defRPr/>
+            </a:pPr>
+            <a:r>
+              <a:rPr lang="ko-KR" altLang="en-US" sz="3200"/>
+              <a:t>시장에 대한 정보를 얻기 힘들다</a:t>
+            </a:r>
+            <a:endParaRPr lang="ko-KR" altLang="en-US" sz="3200"/>
+          </a:p>
+        </p:txBody>
+      </p:sp>
+      <p:sp>
+        <p:nvSpPr>
+          <p:cNvPr id="31" name=""/>
+          <p:cNvSpPr txBox="1"/>
+          <p:nvPr/>
+        </p:nvSpPr>
+        <p:spPr>
+          <a:xfrm>
+            <a:off x="1206838" y="4178840"/>
+            <a:ext cx="9646596" cy="362680"/>
+          </a:xfrm>
+          <a:prstGeom prst="rect">
+            <a:avLst/>
+          </a:prstGeom>
+        </p:spPr>
+        <p:txBody>
+          <a:bodyPr wrap="square">
+            <a:spAutoFit/>
+          </a:bodyPr>
+          <a:p>
+            <a:pPr>
+              <a:defRPr/>
+            </a:pPr>
+            <a:endParaRPr lang="ko-KR" altLang="en-US"/>
+          </a:p>
+        </p:txBody>
+      </p:sp>
+      <p:sp>
+        <p:nvSpPr>
+          <p:cNvPr id="33" name=""/>
+          <p:cNvSpPr/>
+          <p:nvPr/>
+        </p:nvSpPr>
+        <p:spPr>
+          <a:xfrm>
+            <a:off x="5042170" y="3429000"/>
+            <a:ext cx="2107660" cy="810639"/>
+          </a:xfrm>
+          <a:prstGeom prst="downArrow">
+            <a:avLst>
+              <a:gd name="adj1" fmla="val 50000"/>
+              <a:gd name="adj2" fmla="val 50000"/>
+            </a:avLst>
+          </a:prstGeom>
+          <a:solidFill>
+            <a:srgbClr val="79a8b2"/>
+          </a:solidFill>
+        </p:spPr>
+        <p:style>
+          <a:lnRef idx="2">
+            <a:schemeClr val="accent1">
+              <a:shade val="20000"/>
+            </a:schemeClr>
+          </a:lnRef>
+          <a:fillRef idx="1">
+            <a:schemeClr val="accent1"/>
+          </a:fillRef>
+          <a:effectRef idx="0">
+            <a:schemeClr val="accent1"/>
+          </a:effectRef>
+          <a:fontRef idx="minor">
+            <a:schemeClr val="lt1"/>
+          </a:fontRef>
+        </p:style>
+        <p:txBody>
+          <a:bodyPr anchor="ctr"/>
+          <a:p>
+            <a:pPr algn="ctr">
+              <a:defRPr/>
+            </a:pPr>
+            <a:endParaRPr lang="ko-KR" altLang="en-US"/>
+          </a:p>
+        </p:txBody>
+      </p:sp>
+      <p:sp>
+        <p:nvSpPr>
+          <p:cNvPr id="34" name="사각형: 둥근 모서리 23"/>
+          <p:cNvSpPr/>
+          <p:nvPr/>
+        </p:nvSpPr>
+        <p:spPr>
+          <a:xfrm>
+            <a:off x="1661673" y="4598621"/>
+            <a:ext cx="8868653" cy="1921342"/>
+          </a:xfrm>
+          <a:prstGeom prst="roundRect">
+            <a:avLst>
+              <a:gd name="adj" fmla="val 23463"/>
+            </a:avLst>
+          </a:prstGeom>
+          <a:noFill/>
+          <a:ln w="25400">
+            <a:solidFill>
+              <a:srgbClr val="afabab"/>
+            </a:solidFill>
+          </a:ln>
+        </p:spPr>
+        <p:style>
+          <a:lnRef idx="2">
+            <a:schemeClr val="accent1">
+              <a:shade val="50000"/>
+            </a:schemeClr>
+          </a:lnRef>
+          <a:fillRef idx="1">
+            <a:schemeClr val="accent1"/>
+          </a:fillRef>
+          <a:effectRef idx="0">
+            <a:schemeClr val="accent1"/>
+          </a:effectRef>
+          <a:fontRef idx="minor">
+            <a:schemeClr val="lt1"/>
+          </a:fontRef>
+        </p:style>
+        <p:txBody>
+          <a:bodyPr anchor="ctr"/>
+          <a:lstStyle/>
+          <a:p>
+            <a:pPr algn="ctr">
+              <a:defRPr/>
+            </a:pPr>
+            <a:endParaRPr lang="ko-KR" altLang="en-US"/>
+          </a:p>
+        </p:txBody>
+      </p:sp>
+      <p:sp>
+        <p:nvSpPr>
+          <p:cNvPr id="35" name=""/>
+          <p:cNvSpPr txBox="1"/>
+          <p:nvPr/>
+        </p:nvSpPr>
+        <p:spPr>
+          <a:xfrm>
+            <a:off x="4956040" y="1125855"/>
+            <a:ext cx="2279919" cy="701040"/>
+          </a:xfrm>
+          <a:prstGeom prst="rect">
+            <a:avLst/>
+          </a:prstGeom>
+          <a:solidFill>
+            <a:schemeClr val="lt1"/>
+          </a:solidFill>
+          <a:ln>
+            <a:solidFill>
+              <a:schemeClr val="lt1"/>
+            </a:solidFill>
+          </a:ln>
+        </p:spPr>
+        <p:txBody>
+          <a:bodyPr wrap="square" anchor="ctr" anchorCtr="1">
+            <a:spAutoFit/>
+          </a:bodyPr>
+          <a:p>
+            <a:pPr>
+              <a:defRPr/>
+            </a:pPr>
+            <a:r>
+              <a:rPr lang="ko-KR" altLang="en-US" sz="4000"/>
+              <a:t>필요성</a:t>
+            </a:r>
+            <a:endParaRPr lang="ko-KR" altLang="en-US" sz="4000"/>
+          </a:p>
+        </p:txBody>
+      </p:sp>
+      <p:sp>
+        <p:nvSpPr>
+          <p:cNvPr id="36" name=""/>
+          <p:cNvSpPr txBox="1"/>
+          <p:nvPr/>
+        </p:nvSpPr>
+        <p:spPr>
+          <a:xfrm>
+            <a:off x="4956040" y="4259580"/>
+            <a:ext cx="2279919" cy="701040"/>
+          </a:xfrm>
+          <a:prstGeom prst="rect">
+            <a:avLst/>
+          </a:prstGeom>
+          <a:solidFill>
+            <a:schemeClr val="lt1"/>
+          </a:solidFill>
+          <a:ln>
+            <a:solidFill>
+              <a:schemeClr val="lt1"/>
+            </a:solidFill>
+          </a:ln>
+        </p:spPr>
+        <p:txBody>
+          <a:bodyPr wrap="square" anchor="ctr" anchorCtr="1">
+            <a:spAutoFit/>
+          </a:bodyPr>
+          <a:p>
+            <a:pPr>
+              <a:defRPr/>
+            </a:pPr>
+            <a:r>
+              <a:rPr lang="ko-KR" altLang="en-US" sz="4000"/>
+              <a:t>목표</a:t>
+            </a:r>
+            <a:endParaRPr lang="ko-KR" altLang="en-US" sz="4000"/>
+          </a:p>
+        </p:txBody>
+      </p:sp>
+      <p:sp>
+        <p:nvSpPr>
+          <p:cNvPr id="37" name=""/>
+          <p:cNvSpPr txBox="1"/>
+          <p:nvPr/>
+        </p:nvSpPr>
+        <p:spPr>
+          <a:xfrm>
+            <a:off x="1186570" y="5080673"/>
+            <a:ext cx="9818860" cy="1070572"/>
+          </a:xfrm>
+          <a:prstGeom prst="rect">
+            <a:avLst/>
+          </a:prstGeom>
+        </p:spPr>
+        <p:txBody>
+          <a:bodyPr wrap="square">
+            <a:spAutoFit/>
+          </a:bodyPr>
+          <a:p>
+            <a:pPr algn="ctr">
+              <a:defRPr/>
+            </a:pPr>
+            <a:r>
+              <a:rPr lang="ko-KR" altLang="en-US" sz="3200"/>
+              <a:t>사람들에게 제대로 된 소프트웨어를 </a:t>
+            </a:r>
+            <a:endParaRPr lang="ko-KR" altLang="en-US" sz="3200"/>
+          </a:p>
+          <a:p>
+            <a:pPr algn="ctr">
+              <a:defRPr/>
+            </a:pPr>
+            <a:r>
+              <a:rPr lang="ko-KR" altLang="en-US" sz="3200"/>
+              <a:t>제공함으로써 전통시장의 활성화 도모</a:t>
+            </a:r>
+            <a:endParaRPr lang="ko-KR" altLang="en-US" sz="3200"/>
           </a:p>
         </p:txBody>
       </p:sp>
@@ -6026,7 +6474,7 @@
         <p:spPr>
           <a:xfrm>
             <a:off x="283097" y="26826"/>
-            <a:ext cx="6609193" cy="771368"/>
+            <a:ext cx="6609193" cy="771369"/>
           </a:xfrm>
           <a:prstGeom prst="rect">
             <a:avLst/>
@@ -6042,24 +6490,6 @@
             <a:pPr lvl="0">
               <a:defRPr/>
             </a:pPr>
-            <a:r>
-              <a:rPr lang="en-US" altLang="ko-KR" sz="4500" b="1">
-                <a:gradFill>
-                  <a:gsLst>
-                    <a:gs pos="0">
-                      <a:schemeClr val="bg1"/>
-                    </a:gs>
-                    <a:gs pos="100000">
-                      <a:schemeClr val="bg1"/>
-                    </a:gs>
-                  </a:gsLst>
-                  <a:lin ang="5400000" scaled="1"/>
-                </a:gradFill>
-                <a:latin typeface="KoPub돋움체 Bold"/>
-                <a:ea typeface="KoPub돋움체 Bold"/>
-              </a:rPr>
-              <a:t>- </a:t>
-            </a:r>
             <a:r>
               <a:rPr lang="ko-KR" altLang="en-US" sz="4500" b="1">
                 <a:gradFill>
@@ -6093,6 +6523,37 @@
               <a:latin typeface="KoPub돋움체 Bold"/>
               <a:ea typeface="KoPub돋움체 Bold"/>
             </a:endParaRPr>
+          </a:p>
+        </p:txBody>
+      </p:sp>
+      <p:sp>
+        <p:nvSpPr>
+          <p:cNvPr id="28" name=""/>
+          <p:cNvSpPr txBox="1"/>
+          <p:nvPr/>
+        </p:nvSpPr>
+        <p:spPr>
+          <a:xfrm>
+            <a:off x="254337" y="1047750"/>
+            <a:ext cx="1682074" cy="546897"/>
+          </a:xfrm>
+          <a:prstGeom prst="rect">
+            <a:avLst/>
+          </a:prstGeom>
+        </p:spPr>
+        <p:txBody>
+          <a:bodyPr wrap="square">
+            <a:spAutoFit/>
+          </a:bodyPr>
+          <a:p>
+            <a:pPr>
+              <a:defRPr/>
+            </a:pPr>
+            <a:r>
+              <a:rPr lang="ko-KR" altLang="en-US" sz="3000"/>
+              <a:t>목표</a:t>
+            </a:r>
+            <a:endParaRPr lang="ko-KR" altLang="en-US" sz="3000"/>
           </a:p>
         </p:txBody>
       </p:sp>
@@ -6447,24 +6908,6 @@
               <a:defRPr/>
             </a:pPr>
             <a:r>
-              <a:rPr lang="en-US" altLang="ko-KR" sz="4500" b="1">
-                <a:gradFill>
-                  <a:gsLst>
-                    <a:gs pos="0">
-                      <a:schemeClr val="bg1"/>
-                    </a:gs>
-                    <a:gs pos="100000">
-                      <a:schemeClr val="bg1"/>
-                    </a:gs>
-                  </a:gsLst>
-                  <a:lin ang="5400000" scaled="1"/>
-                </a:gradFill>
-                <a:latin typeface="KoPub돋움체 Bold"/>
-                <a:ea typeface="KoPub돋움체 Bold"/>
-              </a:rPr>
-              <a:t>- </a:t>
-            </a:r>
-            <a:r>
               <a:rPr lang="ko-KR" altLang="en-US" sz="4500" b="1">
                 <a:gradFill>
                   <a:gsLst>
@@ -6716,7 +7159,7 @@
                       <a:tailEnd w="med" len="med"/>
                     </a:lnB>
                     <a:solidFill>
-                      <a:srgbClr val="40656b"/>
+                      <a:srgbClr val="ffe066"/>
                     </a:solidFill>
                   </a:tcPr>
                 </a:tc>
@@ -6795,7 +7238,7 @@
                       <a:tailEnd w="med" len="med"/>
                     </a:lnB>
                     <a:solidFill>
-                      <a:srgbClr val="40656b"/>
+                      <a:srgbClr val="ffe066"/>
                     </a:solidFill>
                   </a:tcPr>
                 </a:tc>
@@ -6907,7 +7350,7 @@
                       <a:tailEnd w="med" len="med"/>
                     </a:lnB>
                     <a:solidFill>
-                      <a:srgbClr val="40656b"/>
+                      <a:srgbClr val="ffe066"/>
                     </a:solidFill>
                   </a:tcPr>
                 </a:tc>
@@ -7165,7 +7608,7 @@
                       <a:tailEnd w="med" len="med"/>
                     </a:lnB>
                     <a:solidFill>
-                      <a:srgbClr val="40656b"/>
+                      <a:srgbClr val="ffe066"/>
                     </a:solidFill>
                   </a:tcPr>
                 </a:tc>
@@ -7270,7 +7713,7 @@
                       <a:tailEnd w="med" len="med"/>
                     </a:lnB>
                     <a:solidFill>
-                      <a:srgbClr val="40656b"/>
+                      <a:srgbClr val="ffe066"/>
                     </a:solidFill>
                   </a:tcPr>
                 </a:tc>
@@ -7385,7 +7828,7 @@
                       <a:tailEnd w="med" len="med"/>
                     </a:lnB>
                     <a:solidFill>
-                      <a:srgbClr val="40656b"/>
+                      <a:srgbClr val="ffe066"/>
                     </a:solidFill>
                   </a:tcPr>
                 </a:tc>
@@ -7500,7 +7943,7 @@
                       <a:tailEnd w="med" len="med"/>
                     </a:lnB>
                     <a:solidFill>
-                      <a:srgbClr val="40656b"/>
+                      <a:srgbClr val="ffe066"/>
                     </a:solidFill>
                   </a:tcPr>
                 </a:tc>
@@ -7615,7 +8058,7 @@
                       <a:tailEnd w="med" len="med"/>
                     </a:lnB>
                     <a:solidFill>
-                      <a:srgbClr val="40656b"/>
+                      <a:srgbClr val="ffe066"/>
                     </a:solidFill>
                   </a:tcPr>
                 </a:tc>
@@ -10450,6 +10893,17 @@
                         </a:spcAft>
                         <a:defRPr/>
                       </a:pPr>
+                      <a:r>
+                        <a:rPr lang="ko-KR" altLang="en-US" sz="1600" b="1" kern="0" spc="0">
+                          <a:solidFill>
+                            <a:srgbClr val="000000"/>
+                          </a:solidFill>
+                          <a:effectLst/>
+                          <a:latin typeface="Yoon 윤고딕 530_TT"/>
+                          <a:ea typeface="Yoon 윤고딕 530_TT"/>
+                        </a:rPr>
+                        <a:t>전원</a:t>
+                      </a:r>
                       <a:endParaRPr lang="ko-KR" altLang="en-US" sz="1600" b="1" kern="0" spc="0">
                         <a:solidFill>
                           <a:srgbClr val="000000"/>
@@ -22297,7 +22751,7 @@
         <p:spPr>
           <a:xfrm>
             <a:off x="283097" y="26826"/>
-            <a:ext cx="4770868" cy="771369"/>
+            <a:ext cx="2770618" cy="771369"/>
           </a:xfrm>
           <a:prstGeom prst="rect">
             <a:avLst/>
@@ -22313,24 +22767,6 @@
             <a:pPr lvl="0">
               <a:defRPr/>
             </a:pPr>
-            <a:r>
-              <a:rPr lang="en-US" altLang="ko-KR" sz="4500" b="1">
-                <a:gradFill>
-                  <a:gsLst>
-                    <a:gs pos="0">
-                      <a:schemeClr val="bg1"/>
-                    </a:gs>
-                    <a:gs pos="100000">
-                      <a:schemeClr val="bg1"/>
-                    </a:gs>
-                  </a:gsLst>
-                  <a:lin ang="5400000" scaled="1"/>
-                </a:gradFill>
-                <a:latin typeface="KoPub돋움체 Bold"/>
-                <a:ea typeface="KoPub돋움체 Bold"/>
-              </a:rPr>
-              <a:t>- </a:t>
-            </a:r>
             <a:r>
               <a:rPr lang="ko-KR" altLang="en-US" sz="4500" b="1">
                 <a:gradFill>
@@ -22701,7 +23137,7 @@
         <p:spPr>
           <a:xfrm>
             <a:off x="283097" y="26826"/>
-            <a:ext cx="4770868" cy="771369"/>
+            <a:ext cx="5885293" cy="771369"/>
           </a:xfrm>
           <a:prstGeom prst="rect">
             <a:avLst/>
@@ -22717,24 +23153,6 @@
             <a:pPr lvl="0">
               <a:defRPr/>
             </a:pPr>
-            <a:r>
-              <a:rPr lang="en-US" altLang="ko-KR" sz="4500" b="1">
-                <a:gradFill>
-                  <a:gsLst>
-                    <a:gs pos="0">
-                      <a:schemeClr val="bg1"/>
-                    </a:gs>
-                    <a:gs pos="100000">
-                      <a:schemeClr val="bg1"/>
-                    </a:gs>
-                  </a:gsLst>
-                  <a:lin ang="5400000" scaled="1"/>
-                </a:gradFill>
-                <a:latin typeface="KoPub돋움체 Bold"/>
-                <a:ea typeface="KoPub돋움체 Bold"/>
-              </a:rPr>
-              <a:t>- </a:t>
-            </a:r>
             <a:r>
               <a:rPr lang="ko-KR" altLang="en-US" sz="4500" b="1">
                 <a:gradFill>
@@ -22808,2745 +23226,6 @@
           </a:fontRef>
         </p:style>
       </p:cxnSp>
-      <p:grpSp>
-        <p:nvGrpSpPr>
-          <p:cNvPr id="20" name="그룹 19"/>
-          <p:cNvGrpSpPr/>
-          <p:nvPr/>
-        </p:nvGrpSpPr>
-        <p:grpSpPr>
-          <a:xfrm rot="0">
-            <a:off x="2001422" y="3732143"/>
-            <a:ext cx="188844" cy="866664"/>
-            <a:chOff x="2001422" y="3732143"/>
-            <a:chExt cx="188844" cy="866664"/>
-          </a:xfrm>
-        </p:grpSpPr>
-        <p:sp>
-          <p:nvSpPr>
-            <p:cNvPr id="10" name="타원 9"/>
-            <p:cNvSpPr/>
-            <p:nvPr/>
-          </p:nvSpPr>
-          <p:spPr>
-            <a:xfrm>
-              <a:off x="2001422" y="3732143"/>
-              <a:ext cx="188844" cy="188844"/>
-            </a:xfrm>
-            <a:prstGeom prst="ellipse">
-              <a:avLst/>
-            </a:prstGeom>
-            <a:solidFill>
-              <a:srgbClr val="40656b"/>
-            </a:solidFill>
-            <a:ln>
-              <a:noFill/>
-            </a:ln>
-          </p:spPr>
-          <p:style>
-            <a:lnRef idx="2">
-              <a:schemeClr val="accent1">
-                <a:shade val="50000"/>
-              </a:schemeClr>
-            </a:lnRef>
-            <a:fillRef idx="1">
-              <a:schemeClr val="accent1"/>
-            </a:fillRef>
-            <a:effectRef idx="0">
-              <a:schemeClr val="accent1"/>
-            </a:effectRef>
-            <a:fontRef idx="minor">
-              <a:schemeClr val="lt1"/>
-            </a:fontRef>
-          </p:style>
-          <p:txBody>
-            <a:bodyPr rot="0" vert="horz" wrap="square" lIns="91440" tIns="45720" rIns="91440" bIns="45720" anchor="ctr" anchorCtr="0">
-              <a:prstTxWarp prst="textNoShape">
-                <a:avLst/>
-              </a:prstTxWarp>
-              <a:noAutofit/>
-            </a:bodyPr>
-            <a:lstStyle/>
-            <a:p>
-              <a:pPr algn="ctr">
-                <a:defRPr/>
-              </a:pPr>
-              <a:endParaRPr lang="ko-KR" altLang="en-US"/>
-            </a:p>
-          </p:txBody>
-        </p:sp>
-        <p:cxnSp>
-          <p:nvCxnSpPr>
-            <p:cNvPr id="15" name="직선 연결선 14"/>
-            <p:cNvCxnSpPr/>
-            <p:nvPr/>
-          </p:nvCxnSpPr>
-          <p:spPr>
-            <a:xfrm>
-              <a:off x="2095844" y="3826565"/>
-              <a:ext cx="0" cy="772242"/>
-            </a:xfrm>
-            <a:prstGeom prst="line">
-              <a:avLst/>
-            </a:prstGeom>
-            <a:ln w="31750">
-              <a:solidFill>
-                <a:srgbClr val="40656b"/>
-              </a:solidFill>
-            </a:ln>
-          </p:spPr>
-          <p:style>
-            <a:lnRef idx="1">
-              <a:schemeClr val="accent1"/>
-            </a:lnRef>
-            <a:fillRef idx="0">
-              <a:schemeClr val="accent1"/>
-            </a:fillRef>
-            <a:effectRef idx="0">
-              <a:schemeClr val="accent1"/>
-            </a:effectRef>
-            <a:fontRef idx="minor">
-              <a:schemeClr val="tx1"/>
-            </a:fontRef>
-          </p:style>
-        </p:cxnSp>
-      </p:grpSp>
-      <p:grpSp>
-        <p:nvGrpSpPr>
-          <p:cNvPr id="22" name="그룹 21"/>
-          <p:cNvGrpSpPr/>
-          <p:nvPr/>
-        </p:nvGrpSpPr>
-        <p:grpSpPr>
-          <a:xfrm rot="0">
-            <a:off x="7323204" y="3732143"/>
-            <a:ext cx="188844" cy="866664"/>
-            <a:chOff x="7323204" y="3732143"/>
-            <a:chExt cx="188844" cy="866664"/>
-          </a:xfrm>
-        </p:grpSpPr>
-        <p:sp>
-          <p:nvSpPr>
-            <p:cNvPr id="12" name="타원 11"/>
-            <p:cNvSpPr/>
-            <p:nvPr/>
-          </p:nvSpPr>
-          <p:spPr>
-            <a:xfrm>
-              <a:off x="7323204" y="3732143"/>
-              <a:ext cx="188844" cy="188844"/>
-            </a:xfrm>
-            <a:prstGeom prst="ellipse">
-              <a:avLst/>
-            </a:prstGeom>
-            <a:solidFill>
-              <a:srgbClr val="40656b"/>
-            </a:solidFill>
-            <a:ln>
-              <a:noFill/>
-            </a:ln>
-          </p:spPr>
-          <p:style>
-            <a:lnRef idx="2">
-              <a:schemeClr val="accent1">
-                <a:shade val="50000"/>
-              </a:schemeClr>
-            </a:lnRef>
-            <a:fillRef idx="1">
-              <a:schemeClr val="accent1"/>
-            </a:fillRef>
-            <a:effectRef idx="0">
-              <a:schemeClr val="accent1"/>
-            </a:effectRef>
-            <a:fontRef idx="minor">
-              <a:schemeClr val="lt1"/>
-            </a:fontRef>
-          </p:style>
-          <p:txBody>
-            <a:bodyPr rot="0" vert="horz" wrap="square" lIns="91440" tIns="45720" rIns="91440" bIns="45720" anchor="ctr" anchorCtr="0">
-              <a:prstTxWarp prst="textNoShape">
-                <a:avLst/>
-              </a:prstTxWarp>
-              <a:noAutofit/>
-            </a:bodyPr>
-            <a:lstStyle/>
-            <a:p>
-              <a:pPr algn="ctr">
-                <a:defRPr/>
-              </a:pPr>
-              <a:endParaRPr lang="ko-KR" altLang="en-US"/>
-            </a:p>
-          </p:txBody>
-        </p:sp>
-        <p:cxnSp>
-          <p:nvCxnSpPr>
-            <p:cNvPr id="17" name="직선 연결선 16"/>
-            <p:cNvCxnSpPr/>
-            <p:nvPr/>
-          </p:nvCxnSpPr>
-          <p:spPr>
-            <a:xfrm>
-              <a:off x="7417144" y="3826565"/>
-              <a:ext cx="0" cy="772242"/>
-            </a:xfrm>
-            <a:prstGeom prst="line">
-              <a:avLst/>
-            </a:prstGeom>
-            <a:ln w="31750">
-              <a:solidFill>
-                <a:srgbClr val="40656b"/>
-              </a:solidFill>
-            </a:ln>
-          </p:spPr>
-          <p:style>
-            <a:lnRef idx="1">
-              <a:schemeClr val="accent1"/>
-            </a:lnRef>
-            <a:fillRef idx="0">
-              <a:schemeClr val="accent1"/>
-            </a:fillRef>
-            <a:effectRef idx="0">
-              <a:schemeClr val="accent1"/>
-            </a:effectRef>
-            <a:fontRef idx="minor">
-              <a:schemeClr val="tx1"/>
-            </a:fontRef>
-          </p:style>
-        </p:cxnSp>
-      </p:grpSp>
-      <p:grpSp>
-        <p:nvGrpSpPr>
-          <p:cNvPr id="21" name="그룹 20"/>
-          <p:cNvGrpSpPr/>
-          <p:nvPr/>
-        </p:nvGrpSpPr>
-        <p:grpSpPr>
-          <a:xfrm rot="0">
-            <a:off x="4662313" y="3045728"/>
-            <a:ext cx="188844" cy="875259"/>
-            <a:chOff x="4662313" y="3045728"/>
-            <a:chExt cx="188844" cy="875259"/>
-          </a:xfrm>
-        </p:grpSpPr>
-        <p:sp>
-          <p:nvSpPr>
-            <p:cNvPr id="11" name="타원 10"/>
-            <p:cNvSpPr/>
-            <p:nvPr/>
-          </p:nvSpPr>
-          <p:spPr>
-            <a:xfrm>
-              <a:off x="4662313" y="3732143"/>
-              <a:ext cx="188844" cy="188844"/>
-            </a:xfrm>
-            <a:prstGeom prst="ellipse">
-              <a:avLst/>
-            </a:prstGeom>
-            <a:solidFill>
-              <a:srgbClr val="40656b"/>
-            </a:solidFill>
-            <a:ln>
-              <a:noFill/>
-            </a:ln>
-          </p:spPr>
-          <p:style>
-            <a:lnRef idx="2">
-              <a:schemeClr val="accent1">
-                <a:shade val="50000"/>
-              </a:schemeClr>
-            </a:lnRef>
-            <a:fillRef idx="1">
-              <a:schemeClr val="accent1"/>
-            </a:fillRef>
-            <a:effectRef idx="0">
-              <a:schemeClr val="accent1"/>
-            </a:effectRef>
-            <a:fontRef idx="minor">
-              <a:schemeClr val="lt1"/>
-            </a:fontRef>
-          </p:style>
-          <p:txBody>
-            <a:bodyPr anchor="ctr"/>
-            <a:lstStyle/>
-            <a:p>
-              <a:pPr algn="ctr">
-                <a:defRPr/>
-              </a:pPr>
-              <a:endParaRPr lang="ko-KR" altLang="en-US"/>
-            </a:p>
-          </p:txBody>
-        </p:sp>
-        <p:cxnSp>
-          <p:nvCxnSpPr>
-            <p:cNvPr id="18" name="직선 연결선 17"/>
-            <p:cNvCxnSpPr/>
-            <p:nvPr/>
-          </p:nvCxnSpPr>
-          <p:spPr>
-            <a:xfrm>
-              <a:off x="4756735" y="3045728"/>
-              <a:ext cx="0" cy="772242"/>
-            </a:xfrm>
-            <a:prstGeom prst="line">
-              <a:avLst/>
-            </a:prstGeom>
-            <a:ln w="31750">
-              <a:solidFill>
-                <a:srgbClr val="40656b"/>
-              </a:solidFill>
-            </a:ln>
-          </p:spPr>
-          <p:style>
-            <a:lnRef idx="1">
-              <a:schemeClr val="accent1"/>
-            </a:lnRef>
-            <a:fillRef idx="0">
-              <a:schemeClr val="accent1"/>
-            </a:fillRef>
-            <a:effectRef idx="0">
-              <a:schemeClr val="accent1"/>
-            </a:effectRef>
-            <a:fontRef idx="minor">
-              <a:schemeClr val="tx1"/>
-            </a:fontRef>
-          </p:style>
-        </p:cxnSp>
-      </p:grpSp>
-      <p:grpSp>
-        <p:nvGrpSpPr>
-          <p:cNvPr id="23" name="그룹 22"/>
-          <p:cNvGrpSpPr/>
-          <p:nvPr/>
-        </p:nvGrpSpPr>
-        <p:grpSpPr>
-          <a:xfrm rot="0">
-            <a:off x="9984095" y="3045728"/>
-            <a:ext cx="188844" cy="875259"/>
-            <a:chOff x="9984095" y="3045728"/>
-            <a:chExt cx="188844" cy="875259"/>
-          </a:xfrm>
-        </p:grpSpPr>
-        <p:sp>
-          <p:nvSpPr>
-            <p:cNvPr id="13" name="타원 12"/>
-            <p:cNvSpPr/>
-            <p:nvPr/>
-          </p:nvSpPr>
-          <p:spPr>
-            <a:xfrm>
-              <a:off x="9984095" y="3732143"/>
-              <a:ext cx="188844" cy="188844"/>
-            </a:xfrm>
-            <a:prstGeom prst="ellipse">
-              <a:avLst/>
-            </a:prstGeom>
-            <a:solidFill>
-              <a:srgbClr val="40656b"/>
-            </a:solidFill>
-            <a:ln>
-              <a:noFill/>
-            </a:ln>
-          </p:spPr>
-          <p:style>
-            <a:lnRef idx="2">
-              <a:schemeClr val="accent1">
-                <a:shade val="50000"/>
-              </a:schemeClr>
-            </a:lnRef>
-            <a:fillRef idx="1">
-              <a:schemeClr val="accent1"/>
-            </a:fillRef>
-            <a:effectRef idx="0">
-              <a:schemeClr val="accent1"/>
-            </a:effectRef>
-            <a:fontRef idx="minor">
-              <a:schemeClr val="lt1"/>
-            </a:fontRef>
-          </p:style>
-          <p:txBody>
-            <a:bodyPr anchor="ctr"/>
-            <a:lstStyle/>
-            <a:p>
-              <a:pPr algn="ctr">
-                <a:defRPr/>
-              </a:pPr>
-              <a:endParaRPr lang="ko-KR" altLang="en-US"/>
-            </a:p>
-          </p:txBody>
-        </p:sp>
-        <p:cxnSp>
-          <p:nvCxnSpPr>
-            <p:cNvPr id="19" name="직선 연결선 18"/>
-            <p:cNvCxnSpPr/>
-            <p:nvPr/>
-          </p:nvCxnSpPr>
-          <p:spPr>
-            <a:xfrm>
-              <a:off x="10078035" y="3045728"/>
-              <a:ext cx="0" cy="772242"/>
-            </a:xfrm>
-            <a:prstGeom prst="line">
-              <a:avLst/>
-            </a:prstGeom>
-            <a:ln w="31750">
-              <a:solidFill>
-                <a:srgbClr val="40656b"/>
-              </a:solidFill>
-            </a:ln>
-          </p:spPr>
-          <p:style>
-            <a:lnRef idx="1">
-              <a:schemeClr val="accent1"/>
-            </a:lnRef>
-            <a:fillRef idx="0">
-              <a:schemeClr val="accent1"/>
-            </a:fillRef>
-            <a:effectRef idx="0">
-              <a:schemeClr val="accent1"/>
-            </a:effectRef>
-            <a:fontRef idx="minor">
-              <a:schemeClr val="tx1"/>
-            </a:fontRef>
-          </p:style>
-        </p:cxnSp>
-      </p:grpSp>
-      <p:grpSp>
-        <p:nvGrpSpPr>
-          <p:cNvPr id="26" name="그룹 25"/>
-          <p:cNvGrpSpPr/>
-          <p:nvPr/>
-        </p:nvGrpSpPr>
-        <p:grpSpPr>
-          <a:xfrm rot="0">
-            <a:off x="1150797" y="4454970"/>
-            <a:ext cx="1890093" cy="2028022"/>
-            <a:chOff x="1150797" y="4454970"/>
-            <a:chExt cx="1890093" cy="2028022"/>
-          </a:xfrm>
-        </p:grpSpPr>
-        <p:sp>
-          <p:nvSpPr>
-            <p:cNvPr id="24" name="직사각형 23"/>
-            <p:cNvSpPr/>
-            <p:nvPr/>
-          </p:nvSpPr>
-          <p:spPr>
-            <a:xfrm>
-              <a:off x="1150797" y="4454970"/>
-              <a:ext cx="1890093" cy="287676"/>
-            </a:xfrm>
-            <a:prstGeom prst="rect">
-              <a:avLst/>
-            </a:prstGeom>
-            <a:solidFill>
-              <a:srgbClr val="40656b"/>
-            </a:solidFill>
-            <a:ln>
-              <a:noFill/>
-            </a:ln>
-          </p:spPr>
-          <p:style>
-            <a:lnRef idx="2">
-              <a:schemeClr val="accent1">
-                <a:shade val="50000"/>
-              </a:schemeClr>
-            </a:lnRef>
-            <a:fillRef idx="1">
-              <a:schemeClr val="accent1"/>
-            </a:fillRef>
-            <a:effectRef idx="0">
-              <a:schemeClr val="accent1"/>
-            </a:effectRef>
-            <a:fontRef idx="minor">
-              <a:schemeClr val="lt1"/>
-            </a:fontRef>
-          </p:style>
-          <p:txBody>
-            <a:bodyPr rot="0" vert="horz" wrap="square" lIns="91440" tIns="45720" rIns="91440" bIns="45720" anchor="ctr" anchorCtr="0">
-              <a:prstTxWarp prst="textNoShape">
-                <a:avLst/>
-              </a:prstTxWarp>
-              <a:noAutofit/>
-            </a:bodyPr>
-            <a:lstStyle/>
-            <a:p>
-              <a:pPr algn="ctr">
-                <a:defRPr/>
-              </a:pPr>
-              <a:endParaRPr lang="ko-KR" altLang="en-US"/>
-            </a:p>
-          </p:txBody>
-        </p:sp>
-        <p:sp>
-          <p:nvSpPr>
-            <p:cNvPr id="25" name="직사각형 24"/>
-            <p:cNvSpPr/>
-            <p:nvPr/>
-          </p:nvSpPr>
-          <p:spPr>
-            <a:xfrm>
-              <a:off x="1150797" y="4742645"/>
-              <a:ext cx="1890093" cy="1740347"/>
-            </a:xfrm>
-            <a:prstGeom prst="rect">
-              <a:avLst/>
-            </a:prstGeom>
-            <a:solidFill>
-              <a:schemeClr val="bg1">
-                <a:lumMod val="95000"/>
-              </a:schemeClr>
-            </a:solidFill>
-            <a:ln>
-              <a:noFill/>
-            </a:ln>
-          </p:spPr>
-          <p:style>
-            <a:lnRef idx="2">
-              <a:schemeClr val="accent1">
-                <a:shade val="50000"/>
-              </a:schemeClr>
-            </a:lnRef>
-            <a:fillRef idx="1">
-              <a:schemeClr val="accent1"/>
-            </a:fillRef>
-            <a:effectRef idx="0">
-              <a:schemeClr val="accent1"/>
-            </a:effectRef>
-            <a:fontRef idx="minor">
-              <a:schemeClr val="lt1"/>
-            </a:fontRef>
-          </p:style>
-          <p:txBody>
-            <a:bodyPr anchor="ctr"/>
-            <a:lstStyle/>
-            <a:p>
-              <a:pPr algn="ctr">
-                <a:defRPr/>
-              </a:pPr>
-              <a:endParaRPr lang="ko-KR" altLang="en-US"/>
-            </a:p>
-          </p:txBody>
-        </p:sp>
-      </p:grpSp>
-      <p:sp>
-        <p:nvSpPr>
-          <p:cNvPr id="30" name="TextBox 29"/>
-          <p:cNvSpPr txBox="1"/>
-          <p:nvPr/>
-        </p:nvSpPr>
-        <p:spPr>
-          <a:xfrm>
-            <a:off x="1365885" y="4830308"/>
-            <a:ext cx="1459230" cy="1549537"/>
-          </a:xfrm>
-          <a:prstGeom prst="rect">
-            <a:avLst/>
-          </a:prstGeom>
-          <a:noFill/>
-        </p:spPr>
-        <p:txBody>
-          <a:bodyPr wrap="none">
-            <a:spAutoFit/>
-          </a:bodyPr>
-          <a:lstStyle/>
-          <a:p>
-            <a:pPr algn="ctr">
-              <a:defRPr/>
-            </a:pPr>
-            <a:r>
-              <a:rPr lang="ko-KR" altLang="en-US" sz="1200">
-                <a:gradFill>
-                  <a:gsLst>
-                    <a:gs pos="0">
-                      <a:schemeClr val="tx1"/>
-                    </a:gs>
-                    <a:gs pos="100000">
-                      <a:schemeClr val="tx1"/>
-                    </a:gs>
-                  </a:gsLst>
-                  <a:lin ang="5400000" scaled="1"/>
-                </a:gradFill>
-                <a:latin typeface="KoPub돋움체 Medium"/>
-                <a:ea typeface="KoPub돋움체 Medium"/>
-              </a:rPr>
-              <a:t>팡팡이의 </a:t>
-            </a:r>
-            <a:r>
-              <a:rPr lang="en-US" altLang="ko-KR" sz="1200">
-                <a:gradFill>
-                  <a:gsLst>
-                    <a:gs pos="0">
-                      <a:schemeClr val="tx1"/>
-                    </a:gs>
-                    <a:gs pos="100000">
-                      <a:schemeClr val="tx1"/>
-                    </a:gs>
-                  </a:gsLst>
-                  <a:lin ang="5400000" scaled="1"/>
-                </a:gradFill>
-                <a:latin typeface="KoPub돋움체 Medium"/>
-                <a:ea typeface="KoPub돋움체 Medium"/>
-              </a:rPr>
-              <a:t>ICCT</a:t>
-            </a:r>
-            <a:r>
-              <a:rPr lang="ko-KR" altLang="en-US" sz="1200">
-                <a:gradFill>
-                  <a:gsLst>
-                    <a:gs pos="0">
-                      <a:schemeClr val="tx1"/>
-                    </a:gs>
-                    <a:gs pos="100000">
-                      <a:schemeClr val="tx1"/>
-                    </a:gs>
-                  </a:gsLst>
-                  <a:lin ang="5400000" scaled="1"/>
-                </a:gradFill>
-                <a:latin typeface="KoPub돋움체 Medium"/>
-                <a:ea typeface="KoPub돋움체 Medium"/>
-              </a:rPr>
-              <a:t>는</a:t>
-            </a:r>
-            <a:endParaRPr lang="ko-KR" altLang="en-US" sz="1200">
-              <a:gradFill>
-                <a:gsLst>
-                  <a:gs pos="0">
-                    <a:schemeClr val="tx1"/>
-                  </a:gs>
-                  <a:gs pos="100000">
-                    <a:schemeClr val="tx1"/>
-                  </a:gs>
-                </a:gsLst>
-                <a:lin ang="5400000" scaled="1"/>
-              </a:gradFill>
-              <a:latin typeface="KoPub돋움체 Medium"/>
-              <a:ea typeface="KoPub돋움체 Medium"/>
-            </a:endParaRPr>
-          </a:p>
-          <a:p>
-            <a:pPr algn="ctr">
-              <a:defRPr/>
-            </a:pPr>
-            <a:r>
-              <a:rPr lang="ko-KR" altLang="en-US" sz="1200">
-                <a:gradFill>
-                  <a:gsLst>
-                    <a:gs pos="0">
-                      <a:schemeClr val="tx1"/>
-                    </a:gs>
-                    <a:gs pos="100000">
-                      <a:schemeClr val="tx1"/>
-                    </a:gs>
-                  </a:gsLst>
-                  <a:lin ang="5400000" scaled="1"/>
-                </a:gradFill>
-                <a:latin typeface="KoPub돋움체 Medium"/>
-                <a:ea typeface="KoPub돋움체 Medium"/>
-              </a:rPr>
-              <a:t>매일 업로드합니다</a:t>
-            </a:r>
-            <a:r>
-              <a:rPr lang="en-US" altLang="ko-KR" sz="1200">
-                <a:gradFill>
-                  <a:gsLst>
-                    <a:gs pos="0">
-                      <a:schemeClr val="tx1"/>
-                    </a:gs>
-                    <a:gs pos="100000">
-                      <a:schemeClr val="tx1"/>
-                    </a:gs>
-                  </a:gsLst>
-                  <a:lin ang="5400000" scaled="1"/>
-                </a:gradFill>
-                <a:latin typeface="KoPub돋움체 Medium"/>
-                <a:ea typeface="KoPub돋움체 Medium"/>
-              </a:rPr>
-              <a:t>.</a:t>
-            </a:r>
-            <a:endParaRPr lang="en-US" altLang="ko-KR" sz="1200">
-              <a:gradFill>
-                <a:gsLst>
-                  <a:gs pos="0">
-                    <a:schemeClr val="tx1"/>
-                  </a:gs>
-                  <a:gs pos="100000">
-                    <a:schemeClr val="tx1"/>
-                  </a:gs>
-                </a:gsLst>
-                <a:lin ang="5400000" scaled="1"/>
-              </a:gradFill>
-              <a:latin typeface="KoPub돋움체 Medium"/>
-              <a:ea typeface="KoPub돋움체 Medium"/>
-            </a:endParaRPr>
-          </a:p>
-          <a:p>
-            <a:pPr algn="ctr">
-              <a:defRPr/>
-            </a:pPr>
-            <a:endParaRPr lang="en-US" altLang="ko-KR" sz="1200">
-              <a:gradFill>
-                <a:gsLst>
-                  <a:gs pos="0">
-                    <a:schemeClr val="tx1"/>
-                  </a:gs>
-                  <a:gs pos="100000">
-                    <a:schemeClr val="tx1"/>
-                  </a:gs>
-                </a:gsLst>
-                <a:lin ang="5400000" scaled="1"/>
-              </a:gradFill>
-              <a:latin typeface="KoPub돋움체 Medium"/>
-              <a:ea typeface="KoPub돋움체 Medium"/>
-            </a:endParaRPr>
-          </a:p>
-          <a:p>
-            <a:pPr algn="ctr">
-              <a:defRPr/>
-            </a:pPr>
-            <a:r>
-              <a:rPr lang="ko-KR" altLang="en-US" sz="1200">
-                <a:gradFill>
-                  <a:gsLst>
-                    <a:gs pos="0">
-                      <a:schemeClr val="tx1"/>
-                    </a:gs>
-                    <a:gs pos="100000">
-                      <a:schemeClr val="tx1"/>
-                    </a:gs>
-                  </a:gsLst>
-                  <a:lin ang="5400000" scaled="1"/>
-                </a:gradFill>
-                <a:latin typeface="KoPub돋움체 Medium"/>
-                <a:ea typeface="KoPub돋움체 Medium"/>
-              </a:rPr>
-              <a:t>팡팡이의 </a:t>
-            </a:r>
-            <a:r>
-              <a:rPr lang="en-US" altLang="ko-KR" sz="1200">
-                <a:gradFill>
-                  <a:gsLst>
-                    <a:gs pos="0">
-                      <a:schemeClr val="tx1"/>
-                    </a:gs>
-                    <a:gs pos="100000">
-                      <a:schemeClr val="tx1"/>
-                    </a:gs>
-                  </a:gsLst>
-                  <a:lin ang="5400000" scaled="1"/>
-                </a:gradFill>
-                <a:latin typeface="KoPub돋움체 Medium"/>
-                <a:ea typeface="KoPub돋움체 Medium"/>
-              </a:rPr>
-              <a:t>ICCT</a:t>
-            </a:r>
-            <a:r>
-              <a:rPr lang="ko-KR" altLang="en-US" sz="1200">
-                <a:gradFill>
-                  <a:gsLst>
-                    <a:gs pos="0">
-                      <a:schemeClr val="tx1"/>
-                    </a:gs>
-                    <a:gs pos="100000">
-                      <a:schemeClr val="tx1"/>
-                    </a:gs>
-                  </a:gsLst>
-                  <a:lin ang="5400000" scaled="1"/>
-                </a:gradFill>
-                <a:latin typeface="KoPub돋움체 Medium"/>
-                <a:ea typeface="KoPub돋움체 Medium"/>
-              </a:rPr>
-              <a:t>는</a:t>
-            </a:r>
-            <a:endParaRPr lang="ko-KR" altLang="en-US" sz="1200">
-              <a:gradFill>
-                <a:gsLst>
-                  <a:gs pos="0">
-                    <a:schemeClr val="tx1"/>
-                  </a:gs>
-                  <a:gs pos="100000">
-                    <a:schemeClr val="tx1"/>
-                  </a:gs>
-                </a:gsLst>
-                <a:lin ang="5400000" scaled="1"/>
-              </a:gradFill>
-              <a:latin typeface="KoPub돋움체 Medium"/>
-              <a:ea typeface="KoPub돋움체 Medium"/>
-            </a:endParaRPr>
-          </a:p>
-          <a:p>
-            <a:pPr algn="ctr">
-              <a:defRPr/>
-            </a:pPr>
-            <a:r>
-              <a:rPr lang="ko-KR" altLang="en-US" sz="1200">
-                <a:gradFill>
-                  <a:gsLst>
-                    <a:gs pos="0">
-                      <a:schemeClr val="tx1"/>
-                    </a:gs>
-                    <a:gs pos="100000">
-                      <a:schemeClr val="tx1"/>
-                    </a:gs>
-                  </a:gsLst>
-                  <a:lin ang="5400000" scaled="1"/>
-                </a:gradFill>
-                <a:latin typeface="KoPub돋움체 Medium"/>
-                <a:ea typeface="KoPub돋움체 Medium"/>
-              </a:rPr>
-              <a:t>매일 업로드합니다</a:t>
-            </a:r>
-            <a:r>
-              <a:rPr lang="en-US" altLang="ko-KR" sz="1200">
-                <a:gradFill>
-                  <a:gsLst>
-                    <a:gs pos="0">
-                      <a:schemeClr val="tx1"/>
-                    </a:gs>
-                    <a:gs pos="100000">
-                      <a:schemeClr val="tx1"/>
-                    </a:gs>
-                  </a:gsLst>
-                  <a:lin ang="5400000" scaled="1"/>
-                </a:gradFill>
-                <a:latin typeface="KoPub돋움체 Medium"/>
-                <a:ea typeface="KoPub돋움체 Medium"/>
-              </a:rPr>
-              <a:t>.</a:t>
-            </a:r>
-            <a:endParaRPr lang="en-US" altLang="ko-KR" sz="1200">
-              <a:gradFill>
-                <a:gsLst>
-                  <a:gs pos="0">
-                    <a:schemeClr val="tx1"/>
-                  </a:gs>
-                  <a:gs pos="100000">
-                    <a:schemeClr val="tx1"/>
-                  </a:gs>
-                </a:gsLst>
-                <a:lin ang="5400000" scaled="1"/>
-              </a:gradFill>
-              <a:latin typeface="KoPub돋움체 Medium"/>
-              <a:ea typeface="KoPub돋움체 Medium"/>
-            </a:endParaRPr>
-          </a:p>
-          <a:p>
-            <a:pPr algn="ctr">
-              <a:defRPr/>
-            </a:pPr>
-            <a:endParaRPr lang="en-US" altLang="ko-KR" sz="1200">
-              <a:gradFill>
-                <a:gsLst>
-                  <a:gs pos="0">
-                    <a:schemeClr val="tx1"/>
-                  </a:gs>
-                  <a:gs pos="100000">
-                    <a:schemeClr val="tx1"/>
-                  </a:gs>
-                </a:gsLst>
-                <a:lin ang="5400000" scaled="1"/>
-              </a:gradFill>
-              <a:latin typeface="KoPub돋움체 Medium"/>
-              <a:ea typeface="KoPub돋움체 Medium"/>
-            </a:endParaRPr>
-          </a:p>
-          <a:p>
-            <a:pPr algn="ctr">
-              <a:defRPr/>
-            </a:pPr>
-            <a:r>
-              <a:rPr lang="ko-KR" altLang="en-US" sz="1200">
-                <a:gradFill>
-                  <a:gsLst>
-                    <a:gs pos="0">
-                      <a:schemeClr val="tx1"/>
-                    </a:gs>
-                    <a:gs pos="100000">
-                      <a:schemeClr val="tx1"/>
-                    </a:gs>
-                  </a:gsLst>
-                  <a:lin ang="5400000" scaled="1"/>
-                </a:gradFill>
-                <a:latin typeface="KoPub돋움체 Medium"/>
-                <a:ea typeface="KoPub돋움체 Medium"/>
-              </a:rPr>
-              <a:t>팡팡이의 </a:t>
-            </a:r>
-            <a:r>
-              <a:rPr lang="en-US" altLang="ko-KR" sz="1200">
-                <a:gradFill>
-                  <a:gsLst>
-                    <a:gs pos="0">
-                      <a:schemeClr val="tx1"/>
-                    </a:gs>
-                    <a:gs pos="100000">
-                      <a:schemeClr val="tx1"/>
-                    </a:gs>
-                  </a:gsLst>
-                  <a:lin ang="5400000" scaled="1"/>
-                </a:gradFill>
-                <a:latin typeface="KoPub돋움체 Medium"/>
-                <a:ea typeface="KoPub돋움체 Medium"/>
-              </a:rPr>
-              <a:t>ICCT</a:t>
-            </a:r>
-            <a:r>
-              <a:rPr lang="ko-KR" altLang="en-US" sz="1200">
-                <a:gradFill>
-                  <a:gsLst>
-                    <a:gs pos="0">
-                      <a:schemeClr val="tx1"/>
-                    </a:gs>
-                    <a:gs pos="100000">
-                      <a:schemeClr val="tx1"/>
-                    </a:gs>
-                  </a:gsLst>
-                  <a:lin ang="5400000" scaled="1"/>
-                </a:gradFill>
-                <a:latin typeface="KoPub돋움체 Medium"/>
-                <a:ea typeface="KoPub돋움체 Medium"/>
-              </a:rPr>
-              <a:t>는</a:t>
-            </a:r>
-            <a:endParaRPr lang="ko-KR" altLang="en-US" sz="1200">
-              <a:gradFill>
-                <a:gsLst>
-                  <a:gs pos="0">
-                    <a:schemeClr val="tx1"/>
-                  </a:gs>
-                  <a:gs pos="100000">
-                    <a:schemeClr val="tx1"/>
-                  </a:gs>
-                </a:gsLst>
-                <a:lin ang="5400000" scaled="1"/>
-              </a:gradFill>
-              <a:latin typeface="KoPub돋움체 Medium"/>
-              <a:ea typeface="KoPub돋움체 Medium"/>
-            </a:endParaRPr>
-          </a:p>
-          <a:p>
-            <a:pPr algn="ctr">
-              <a:defRPr/>
-            </a:pPr>
-            <a:r>
-              <a:rPr lang="ko-KR" altLang="en-US" sz="1200">
-                <a:gradFill>
-                  <a:gsLst>
-                    <a:gs pos="0">
-                      <a:schemeClr val="tx1"/>
-                    </a:gs>
-                    <a:gs pos="100000">
-                      <a:schemeClr val="tx1"/>
-                    </a:gs>
-                  </a:gsLst>
-                  <a:lin ang="5400000" scaled="1"/>
-                </a:gradFill>
-                <a:latin typeface="KoPub돋움체 Medium"/>
-                <a:ea typeface="KoPub돋움체 Medium"/>
-              </a:rPr>
-              <a:t>매일 업로드합니다</a:t>
-            </a:r>
-            <a:r>
-              <a:rPr lang="en-US" altLang="ko-KR" sz="1200">
-                <a:gradFill>
-                  <a:gsLst>
-                    <a:gs pos="0">
-                      <a:schemeClr val="tx1"/>
-                    </a:gs>
-                    <a:gs pos="100000">
-                      <a:schemeClr val="tx1"/>
-                    </a:gs>
-                  </a:gsLst>
-                  <a:lin ang="5400000" scaled="1"/>
-                </a:gradFill>
-                <a:latin typeface="KoPub돋움체 Medium"/>
-                <a:ea typeface="KoPub돋움체 Medium"/>
-              </a:rPr>
-              <a:t>.</a:t>
-            </a:r>
-            <a:endParaRPr lang="en-US" altLang="ko-KR" sz="1200">
-              <a:gradFill>
-                <a:gsLst>
-                  <a:gs pos="0">
-                    <a:schemeClr val="tx1"/>
-                  </a:gs>
-                  <a:gs pos="100000">
-                    <a:schemeClr val="tx1"/>
-                  </a:gs>
-                </a:gsLst>
-                <a:lin ang="5400000" scaled="1"/>
-              </a:gradFill>
-              <a:latin typeface="KoPub돋움체 Medium"/>
-              <a:ea typeface="KoPub돋움체 Medium"/>
-            </a:endParaRPr>
-          </a:p>
-        </p:txBody>
-      </p:sp>
-      <p:sp>
-        <p:nvSpPr>
-          <p:cNvPr id="31" name="TextBox 30"/>
-          <p:cNvSpPr txBox="1"/>
-          <p:nvPr/>
-        </p:nvSpPr>
-        <p:spPr>
-          <a:xfrm>
-            <a:off x="1108710" y="4465645"/>
-            <a:ext cx="1964055" cy="266375"/>
-          </a:xfrm>
-          <a:prstGeom prst="rect">
-            <a:avLst/>
-          </a:prstGeom>
-          <a:noFill/>
-        </p:spPr>
-        <p:txBody>
-          <a:bodyPr wrap="none">
-            <a:spAutoFit/>
-          </a:bodyPr>
-          <a:lstStyle/>
-          <a:p>
-            <a:pPr algn="ctr">
-              <a:defRPr/>
-            </a:pPr>
-            <a:r>
-              <a:rPr lang="ko-KR" altLang="en-US" sz="1200">
-                <a:gradFill>
-                  <a:gsLst>
-                    <a:gs pos="0">
-                      <a:schemeClr val="bg1"/>
-                    </a:gs>
-                    <a:gs pos="100000">
-                      <a:schemeClr val="bg1"/>
-                    </a:gs>
-                  </a:gsLst>
-                  <a:lin ang="5400000" scaled="1"/>
-                </a:gradFill>
-                <a:latin typeface="KoPub돋움체 Bold"/>
-                <a:ea typeface="KoPub돋움체 Bold"/>
-              </a:rPr>
-              <a:t>한국정보문화콘텐츠기술원</a:t>
-            </a:r>
-            <a:endParaRPr lang="en-US" altLang="ko-KR" sz="1200">
-              <a:gradFill>
-                <a:gsLst>
-                  <a:gs pos="0">
-                    <a:schemeClr val="bg1"/>
-                  </a:gs>
-                  <a:gs pos="100000">
-                    <a:schemeClr val="bg1"/>
-                  </a:gs>
-                </a:gsLst>
-                <a:lin ang="5400000" scaled="1"/>
-              </a:gradFill>
-              <a:latin typeface="KoPub돋움체 Bold"/>
-              <a:ea typeface="KoPub돋움체 Bold"/>
-            </a:endParaRPr>
-          </a:p>
-        </p:txBody>
-      </p:sp>
-      <p:grpSp>
-        <p:nvGrpSpPr>
-          <p:cNvPr id="32" name="그룹 31"/>
-          <p:cNvGrpSpPr/>
-          <p:nvPr/>
-        </p:nvGrpSpPr>
-        <p:grpSpPr>
-          <a:xfrm rot="0">
-            <a:off x="6472097" y="4454970"/>
-            <a:ext cx="1890093" cy="2028022"/>
-            <a:chOff x="1150797" y="4454970"/>
-            <a:chExt cx="1890093" cy="2028022"/>
-          </a:xfrm>
-        </p:grpSpPr>
-        <p:sp>
-          <p:nvSpPr>
-            <p:cNvPr id="33" name="직사각형 32"/>
-            <p:cNvSpPr/>
-            <p:nvPr/>
-          </p:nvSpPr>
-          <p:spPr>
-            <a:xfrm>
-              <a:off x="1150797" y="4454970"/>
-              <a:ext cx="1890093" cy="287676"/>
-            </a:xfrm>
-            <a:prstGeom prst="rect">
-              <a:avLst/>
-            </a:prstGeom>
-            <a:solidFill>
-              <a:srgbClr val="40656b"/>
-            </a:solidFill>
-            <a:ln>
-              <a:noFill/>
-            </a:ln>
-          </p:spPr>
-          <p:style>
-            <a:lnRef idx="2">
-              <a:schemeClr val="accent1">
-                <a:shade val="50000"/>
-              </a:schemeClr>
-            </a:lnRef>
-            <a:fillRef idx="1">
-              <a:schemeClr val="accent1"/>
-            </a:fillRef>
-            <a:effectRef idx="0">
-              <a:schemeClr val="accent1"/>
-            </a:effectRef>
-            <a:fontRef idx="minor">
-              <a:schemeClr val="lt1"/>
-            </a:fontRef>
-          </p:style>
-          <p:txBody>
-            <a:bodyPr rot="0" vert="horz" wrap="square" lIns="91440" tIns="45720" rIns="91440" bIns="45720" anchor="ctr" anchorCtr="0">
-              <a:prstTxWarp prst="textNoShape">
-                <a:avLst/>
-              </a:prstTxWarp>
-              <a:noAutofit/>
-            </a:bodyPr>
-            <a:lstStyle/>
-            <a:p>
-              <a:pPr algn="ctr">
-                <a:defRPr/>
-              </a:pPr>
-              <a:endParaRPr lang="ko-KR" altLang="en-US"/>
-            </a:p>
-          </p:txBody>
-        </p:sp>
-        <p:sp>
-          <p:nvSpPr>
-            <p:cNvPr id="34" name="직사각형 33"/>
-            <p:cNvSpPr/>
-            <p:nvPr/>
-          </p:nvSpPr>
-          <p:spPr>
-            <a:xfrm>
-              <a:off x="1150797" y="4742645"/>
-              <a:ext cx="1890093" cy="1740347"/>
-            </a:xfrm>
-            <a:prstGeom prst="rect">
-              <a:avLst/>
-            </a:prstGeom>
-            <a:solidFill>
-              <a:schemeClr val="bg1">
-                <a:lumMod val="95000"/>
-              </a:schemeClr>
-            </a:solidFill>
-            <a:ln>
-              <a:noFill/>
-            </a:ln>
-          </p:spPr>
-          <p:style>
-            <a:lnRef idx="2">
-              <a:schemeClr val="accent1">
-                <a:shade val="50000"/>
-              </a:schemeClr>
-            </a:lnRef>
-            <a:fillRef idx="1">
-              <a:schemeClr val="accent1"/>
-            </a:fillRef>
-            <a:effectRef idx="0">
-              <a:schemeClr val="accent1"/>
-            </a:effectRef>
-            <a:fontRef idx="minor">
-              <a:schemeClr val="lt1"/>
-            </a:fontRef>
-          </p:style>
-          <p:txBody>
-            <a:bodyPr anchor="ctr"/>
-            <a:lstStyle/>
-            <a:p>
-              <a:pPr algn="ctr">
-                <a:defRPr/>
-              </a:pPr>
-              <a:endParaRPr lang="ko-KR" altLang="en-US"/>
-            </a:p>
-          </p:txBody>
-        </p:sp>
-      </p:grpSp>
-      <p:sp>
-        <p:nvSpPr>
-          <p:cNvPr id="35" name="TextBox 34"/>
-          <p:cNvSpPr txBox="1"/>
-          <p:nvPr/>
-        </p:nvSpPr>
-        <p:spPr>
-          <a:xfrm>
-            <a:off x="6442710" y="4830308"/>
-            <a:ext cx="1945004" cy="1549537"/>
-          </a:xfrm>
-          <a:prstGeom prst="rect">
-            <a:avLst/>
-          </a:prstGeom>
-          <a:noFill/>
-        </p:spPr>
-        <p:txBody>
-          <a:bodyPr wrap="none">
-            <a:spAutoFit/>
-          </a:bodyPr>
-          <a:lstStyle/>
-          <a:p>
-            <a:pPr algn="ctr">
-              <a:defRPr/>
-            </a:pPr>
-            <a:r>
-              <a:rPr lang="ko-KR" altLang="en-US" sz="1200">
-                <a:gradFill>
-                  <a:gsLst>
-                    <a:gs pos="0">
-                      <a:schemeClr val="tx1"/>
-                    </a:gs>
-                    <a:gs pos="100000">
-                      <a:schemeClr val="tx1"/>
-                    </a:gs>
-                  </a:gsLst>
-                  <a:lin ang="5400000" scaled="1"/>
-                </a:gradFill>
-                <a:latin typeface="KoPub돋움체 Medium"/>
-                <a:ea typeface="KoPub돋움체 Medium"/>
-              </a:rPr>
-              <a:t>팡팡이의 포토샵은</a:t>
-            </a:r>
-            <a:endParaRPr lang="ko-KR" altLang="en-US" sz="1200">
-              <a:gradFill>
-                <a:gsLst>
-                  <a:gs pos="0">
-                    <a:schemeClr val="tx1"/>
-                  </a:gs>
-                  <a:gs pos="100000">
-                    <a:schemeClr val="tx1"/>
-                  </a:gs>
-                </a:gsLst>
-                <a:lin ang="5400000" scaled="1"/>
-              </a:gradFill>
-              <a:latin typeface="KoPub돋움체 Medium"/>
-              <a:ea typeface="KoPub돋움체 Medium"/>
-            </a:endParaRPr>
-          </a:p>
-          <a:p>
-            <a:pPr algn="ctr">
-              <a:defRPr/>
-            </a:pPr>
-            <a:r>
-              <a:rPr lang="ko-KR" altLang="en-US" sz="1200">
-                <a:gradFill>
-                  <a:gsLst>
-                    <a:gs pos="0">
-                      <a:schemeClr val="tx1"/>
-                    </a:gs>
-                    <a:gs pos="100000">
-                      <a:schemeClr val="tx1"/>
-                    </a:gs>
-                  </a:gsLst>
-                  <a:lin ang="5400000" scaled="1"/>
-                </a:gradFill>
-                <a:latin typeface="KoPub돋움체 Medium"/>
-                <a:ea typeface="KoPub돋움체 Medium"/>
-              </a:rPr>
-              <a:t>매주 월요일 업로드합니다</a:t>
-            </a:r>
-            <a:r>
-              <a:rPr lang="en-US" altLang="ko-KR" sz="1200">
-                <a:gradFill>
-                  <a:gsLst>
-                    <a:gs pos="0">
-                      <a:schemeClr val="tx1"/>
-                    </a:gs>
-                    <a:gs pos="100000">
-                      <a:schemeClr val="tx1"/>
-                    </a:gs>
-                  </a:gsLst>
-                  <a:lin ang="5400000" scaled="1"/>
-                </a:gradFill>
-                <a:latin typeface="KoPub돋움체 Medium"/>
-                <a:ea typeface="KoPub돋움체 Medium"/>
-              </a:rPr>
-              <a:t>.</a:t>
-            </a:r>
-            <a:endParaRPr lang="en-US" altLang="ko-KR" sz="1200">
-              <a:gradFill>
-                <a:gsLst>
-                  <a:gs pos="0">
-                    <a:schemeClr val="tx1"/>
-                  </a:gs>
-                  <a:gs pos="100000">
-                    <a:schemeClr val="tx1"/>
-                  </a:gs>
-                </a:gsLst>
-                <a:lin ang="5400000" scaled="1"/>
-              </a:gradFill>
-              <a:latin typeface="KoPub돋움체 Medium"/>
-              <a:ea typeface="KoPub돋움체 Medium"/>
-            </a:endParaRPr>
-          </a:p>
-          <a:p>
-            <a:pPr algn="ctr">
-              <a:defRPr/>
-            </a:pPr>
-            <a:endParaRPr lang="en-US" altLang="ko-KR" sz="1200">
-              <a:gradFill>
-                <a:gsLst>
-                  <a:gs pos="0">
-                    <a:schemeClr val="tx1"/>
-                  </a:gs>
-                  <a:gs pos="100000">
-                    <a:schemeClr val="tx1"/>
-                  </a:gs>
-                </a:gsLst>
-                <a:lin ang="5400000" scaled="1"/>
-              </a:gradFill>
-              <a:latin typeface="KoPub돋움체 Medium"/>
-              <a:ea typeface="KoPub돋움체 Medium"/>
-            </a:endParaRPr>
-          </a:p>
-          <a:p>
-            <a:pPr algn="ctr">
-              <a:defRPr/>
-            </a:pPr>
-            <a:r>
-              <a:rPr lang="ko-KR" altLang="en-US" sz="1200">
-                <a:gradFill>
-                  <a:gsLst>
-                    <a:gs pos="0">
-                      <a:schemeClr val="tx1"/>
-                    </a:gs>
-                    <a:gs pos="100000">
-                      <a:schemeClr val="tx1"/>
-                    </a:gs>
-                  </a:gsLst>
-                  <a:lin ang="5400000" scaled="1"/>
-                </a:gradFill>
-                <a:latin typeface="KoPub돋움체 Medium"/>
-                <a:ea typeface="KoPub돋움체 Medium"/>
-              </a:rPr>
-              <a:t>팡팡이의 포토샵은</a:t>
-            </a:r>
-            <a:endParaRPr lang="ko-KR" altLang="en-US" sz="1200">
-              <a:gradFill>
-                <a:gsLst>
-                  <a:gs pos="0">
-                    <a:schemeClr val="tx1"/>
-                  </a:gs>
-                  <a:gs pos="100000">
-                    <a:schemeClr val="tx1"/>
-                  </a:gs>
-                </a:gsLst>
-                <a:lin ang="5400000" scaled="1"/>
-              </a:gradFill>
-              <a:latin typeface="KoPub돋움체 Medium"/>
-              <a:ea typeface="KoPub돋움체 Medium"/>
-            </a:endParaRPr>
-          </a:p>
-          <a:p>
-            <a:pPr algn="ctr">
-              <a:defRPr/>
-            </a:pPr>
-            <a:r>
-              <a:rPr lang="ko-KR" altLang="en-US" sz="1200">
-                <a:gradFill>
-                  <a:gsLst>
-                    <a:gs pos="0">
-                      <a:schemeClr val="tx1"/>
-                    </a:gs>
-                    <a:gs pos="100000">
-                      <a:schemeClr val="tx1"/>
-                    </a:gs>
-                  </a:gsLst>
-                  <a:lin ang="5400000" scaled="1"/>
-                </a:gradFill>
-                <a:latin typeface="KoPub돋움체 Medium"/>
-                <a:ea typeface="KoPub돋움체 Medium"/>
-              </a:rPr>
-              <a:t>매주 월요일 업로드합니다</a:t>
-            </a:r>
-            <a:r>
-              <a:rPr lang="en-US" altLang="ko-KR" sz="1200">
-                <a:gradFill>
-                  <a:gsLst>
-                    <a:gs pos="0">
-                      <a:schemeClr val="tx1"/>
-                    </a:gs>
-                    <a:gs pos="100000">
-                      <a:schemeClr val="tx1"/>
-                    </a:gs>
-                  </a:gsLst>
-                  <a:lin ang="5400000" scaled="1"/>
-                </a:gradFill>
-                <a:latin typeface="KoPub돋움체 Medium"/>
-                <a:ea typeface="KoPub돋움체 Medium"/>
-              </a:rPr>
-              <a:t>.</a:t>
-            </a:r>
-            <a:endParaRPr lang="en-US" altLang="ko-KR" sz="1200">
-              <a:gradFill>
-                <a:gsLst>
-                  <a:gs pos="0">
-                    <a:schemeClr val="tx1"/>
-                  </a:gs>
-                  <a:gs pos="100000">
-                    <a:schemeClr val="tx1"/>
-                  </a:gs>
-                </a:gsLst>
-                <a:lin ang="5400000" scaled="1"/>
-              </a:gradFill>
-              <a:latin typeface="KoPub돋움체 Medium"/>
-              <a:ea typeface="KoPub돋움체 Medium"/>
-            </a:endParaRPr>
-          </a:p>
-          <a:p>
-            <a:pPr algn="ctr">
-              <a:defRPr/>
-            </a:pPr>
-            <a:endParaRPr lang="en-US" altLang="ko-KR" sz="1200">
-              <a:gradFill>
-                <a:gsLst>
-                  <a:gs pos="0">
-                    <a:schemeClr val="tx1"/>
-                  </a:gs>
-                  <a:gs pos="100000">
-                    <a:schemeClr val="tx1"/>
-                  </a:gs>
-                </a:gsLst>
-                <a:lin ang="5400000" scaled="1"/>
-              </a:gradFill>
-              <a:latin typeface="KoPub돋움체 Medium"/>
-              <a:ea typeface="KoPub돋움체 Medium"/>
-            </a:endParaRPr>
-          </a:p>
-          <a:p>
-            <a:pPr algn="ctr">
-              <a:defRPr/>
-            </a:pPr>
-            <a:r>
-              <a:rPr lang="ko-KR" altLang="en-US" sz="1200">
-                <a:gradFill>
-                  <a:gsLst>
-                    <a:gs pos="0">
-                      <a:schemeClr val="tx1"/>
-                    </a:gs>
-                    <a:gs pos="100000">
-                      <a:schemeClr val="tx1"/>
-                    </a:gs>
-                  </a:gsLst>
-                  <a:lin ang="5400000" scaled="1"/>
-                </a:gradFill>
-                <a:latin typeface="KoPub돋움체 Medium"/>
-                <a:ea typeface="KoPub돋움체 Medium"/>
-              </a:rPr>
-              <a:t>팡팡이의 포토샵은</a:t>
-            </a:r>
-            <a:endParaRPr lang="ko-KR" altLang="en-US" sz="1200">
-              <a:gradFill>
-                <a:gsLst>
-                  <a:gs pos="0">
-                    <a:schemeClr val="tx1"/>
-                  </a:gs>
-                  <a:gs pos="100000">
-                    <a:schemeClr val="tx1"/>
-                  </a:gs>
-                </a:gsLst>
-                <a:lin ang="5400000" scaled="1"/>
-              </a:gradFill>
-              <a:latin typeface="KoPub돋움체 Medium"/>
-              <a:ea typeface="KoPub돋움체 Medium"/>
-            </a:endParaRPr>
-          </a:p>
-          <a:p>
-            <a:pPr algn="ctr">
-              <a:defRPr/>
-            </a:pPr>
-            <a:r>
-              <a:rPr lang="ko-KR" altLang="en-US" sz="1200">
-                <a:gradFill>
-                  <a:gsLst>
-                    <a:gs pos="0">
-                      <a:schemeClr val="tx1"/>
-                    </a:gs>
-                    <a:gs pos="100000">
-                      <a:schemeClr val="tx1"/>
-                    </a:gs>
-                  </a:gsLst>
-                  <a:lin ang="5400000" scaled="1"/>
-                </a:gradFill>
-                <a:latin typeface="KoPub돋움체 Medium"/>
-                <a:ea typeface="KoPub돋움체 Medium"/>
-              </a:rPr>
-              <a:t>매주 월요일 업로드합니다</a:t>
-            </a:r>
-            <a:r>
-              <a:rPr lang="en-US" altLang="ko-KR" sz="1200">
-                <a:gradFill>
-                  <a:gsLst>
-                    <a:gs pos="0">
-                      <a:schemeClr val="tx1"/>
-                    </a:gs>
-                    <a:gs pos="100000">
-                      <a:schemeClr val="tx1"/>
-                    </a:gs>
-                  </a:gsLst>
-                  <a:lin ang="5400000" scaled="1"/>
-                </a:gradFill>
-                <a:latin typeface="KoPub돋움체 Medium"/>
-                <a:ea typeface="KoPub돋움체 Medium"/>
-              </a:rPr>
-              <a:t>.</a:t>
-            </a:r>
-            <a:endParaRPr lang="en-US" altLang="ko-KR" sz="1200">
-              <a:gradFill>
-                <a:gsLst>
-                  <a:gs pos="0">
-                    <a:schemeClr val="tx1"/>
-                  </a:gs>
-                  <a:gs pos="100000">
-                    <a:schemeClr val="tx1"/>
-                  </a:gs>
-                </a:gsLst>
-                <a:lin ang="5400000" scaled="1"/>
-              </a:gradFill>
-              <a:latin typeface="KoPub돋움체 Medium"/>
-              <a:ea typeface="KoPub돋움체 Medium"/>
-            </a:endParaRPr>
-          </a:p>
-        </p:txBody>
-      </p:sp>
-      <p:sp>
-        <p:nvSpPr>
-          <p:cNvPr id="36" name="TextBox 35"/>
-          <p:cNvSpPr txBox="1"/>
-          <p:nvPr/>
-        </p:nvSpPr>
-        <p:spPr>
-          <a:xfrm>
-            <a:off x="6433185" y="4465645"/>
-            <a:ext cx="1964055" cy="266375"/>
-          </a:xfrm>
-          <a:prstGeom prst="rect">
-            <a:avLst/>
-          </a:prstGeom>
-          <a:noFill/>
-        </p:spPr>
-        <p:txBody>
-          <a:bodyPr wrap="none">
-            <a:spAutoFit/>
-          </a:bodyPr>
-          <a:lstStyle/>
-          <a:p>
-            <a:pPr algn="ctr">
-              <a:defRPr/>
-            </a:pPr>
-            <a:r>
-              <a:rPr lang="ko-KR" altLang="en-US" sz="1200">
-                <a:gradFill>
-                  <a:gsLst>
-                    <a:gs pos="0">
-                      <a:schemeClr val="bg1"/>
-                    </a:gs>
-                    <a:gs pos="100000">
-                      <a:schemeClr val="bg1"/>
-                    </a:gs>
-                  </a:gsLst>
-                  <a:lin ang="5400000" scaled="1"/>
-                </a:gradFill>
-                <a:latin typeface="KoPub돋움체 Bold"/>
-                <a:ea typeface="KoPub돋움체 Bold"/>
-              </a:rPr>
-              <a:t>한국정보문화콘텐츠기술원</a:t>
-            </a:r>
-            <a:endParaRPr lang="en-US" altLang="ko-KR" sz="1200">
-              <a:gradFill>
-                <a:gsLst>
-                  <a:gs pos="0">
-                    <a:schemeClr val="bg1"/>
-                  </a:gs>
-                  <a:gs pos="100000">
-                    <a:schemeClr val="bg1"/>
-                  </a:gs>
-                </a:gsLst>
-                <a:lin ang="5400000" scaled="1"/>
-              </a:gradFill>
-              <a:latin typeface="KoPub돋움체 Bold"/>
-              <a:ea typeface="KoPub돋움체 Bold"/>
-            </a:endParaRPr>
-          </a:p>
-        </p:txBody>
-      </p:sp>
-      <p:sp>
-        <p:nvSpPr>
-          <p:cNvPr id="38" name="직사각형 37"/>
-          <p:cNvSpPr/>
-          <p:nvPr/>
-        </p:nvSpPr>
-        <p:spPr>
-          <a:xfrm>
-            <a:off x="3819870" y="2790546"/>
-            <a:ext cx="1890093" cy="287676"/>
-          </a:xfrm>
-          <a:prstGeom prst="rect">
-            <a:avLst/>
-          </a:prstGeom>
-          <a:solidFill>
-            <a:srgbClr val="40656b"/>
-          </a:solidFill>
-          <a:ln>
-            <a:noFill/>
-          </a:ln>
-        </p:spPr>
-        <p:style>
-          <a:lnRef idx="2">
-            <a:schemeClr val="accent1">
-              <a:shade val="50000"/>
-            </a:schemeClr>
-          </a:lnRef>
-          <a:fillRef idx="1">
-            <a:schemeClr val="accent1"/>
-          </a:fillRef>
-          <a:effectRef idx="0">
-            <a:schemeClr val="accent1"/>
-          </a:effectRef>
-          <a:fontRef idx="minor">
-            <a:schemeClr val="lt1"/>
-          </a:fontRef>
-        </p:style>
-        <p:txBody>
-          <a:bodyPr rot="0" vert="horz" wrap="square" lIns="91440" tIns="45720" rIns="91440" bIns="45720" anchor="ctr" anchorCtr="0">
-            <a:prstTxWarp prst="textNoShape">
-              <a:avLst/>
-            </a:prstTxWarp>
-            <a:noAutofit/>
-          </a:bodyPr>
-          <a:lstStyle/>
-          <a:p>
-            <a:pPr algn="ctr">
-              <a:defRPr/>
-            </a:pPr>
-            <a:endParaRPr lang="ko-KR" altLang="en-US"/>
-          </a:p>
-        </p:txBody>
-      </p:sp>
-      <p:sp>
-        <p:nvSpPr>
-          <p:cNvPr id="39" name="직사각형 38"/>
-          <p:cNvSpPr/>
-          <p:nvPr/>
-        </p:nvSpPr>
-        <p:spPr>
-          <a:xfrm>
-            <a:off x="3819870" y="1054211"/>
-            <a:ext cx="1890093" cy="1740347"/>
-          </a:xfrm>
-          <a:prstGeom prst="rect">
-            <a:avLst/>
-          </a:prstGeom>
-          <a:solidFill>
-            <a:schemeClr val="bg1">
-              <a:lumMod val="95000"/>
-            </a:schemeClr>
-          </a:solidFill>
-          <a:ln>
-            <a:noFill/>
-          </a:ln>
-        </p:spPr>
-        <p:style>
-          <a:lnRef idx="2">
-            <a:schemeClr val="accent1">
-              <a:shade val="50000"/>
-            </a:schemeClr>
-          </a:lnRef>
-          <a:fillRef idx="1">
-            <a:schemeClr val="accent1"/>
-          </a:fillRef>
-          <a:effectRef idx="0">
-            <a:schemeClr val="accent1"/>
-          </a:effectRef>
-          <a:fontRef idx="minor">
-            <a:schemeClr val="lt1"/>
-          </a:fontRef>
-        </p:style>
-        <p:txBody>
-          <a:bodyPr anchor="ctr"/>
-          <a:lstStyle/>
-          <a:p>
-            <a:pPr algn="ctr">
-              <a:defRPr/>
-            </a:pPr>
-            <a:endParaRPr lang="ko-KR" altLang="en-US"/>
-          </a:p>
-        </p:txBody>
-      </p:sp>
-      <p:sp>
-        <p:nvSpPr>
-          <p:cNvPr id="40" name="TextBox 39"/>
-          <p:cNvSpPr txBox="1"/>
-          <p:nvPr/>
-        </p:nvSpPr>
-        <p:spPr>
-          <a:xfrm>
-            <a:off x="3794760" y="1141874"/>
-            <a:ext cx="1945005" cy="1732771"/>
-          </a:xfrm>
-          <a:prstGeom prst="rect">
-            <a:avLst/>
-          </a:prstGeom>
-          <a:noFill/>
-        </p:spPr>
-        <p:txBody>
-          <a:bodyPr wrap="none">
-            <a:spAutoFit/>
-          </a:bodyPr>
-          <a:lstStyle/>
-          <a:p>
-            <a:pPr algn="ctr">
-              <a:defRPr/>
-            </a:pPr>
-            <a:r>
-              <a:rPr lang="ko-KR" altLang="en-US" sz="1200">
-                <a:gradFill>
-                  <a:gsLst>
-                    <a:gs pos="0">
-                      <a:schemeClr val="tx1"/>
-                    </a:gs>
-                    <a:gs pos="100000">
-                      <a:schemeClr val="tx1"/>
-                    </a:gs>
-                  </a:gsLst>
-                  <a:lin ang="5400000" scaled="1"/>
-                </a:gradFill>
-                <a:latin typeface="KoPub돋움체 Medium"/>
-                <a:ea typeface="KoPub돋움체 Medium"/>
-              </a:rPr>
-              <a:t>팡팡이의 </a:t>
-            </a:r>
-            <a:r>
-              <a:rPr lang="en-US" altLang="ko-KR" sz="1200">
-                <a:gradFill>
-                  <a:gsLst>
-                    <a:gs pos="0">
-                      <a:schemeClr val="tx1"/>
-                    </a:gs>
-                    <a:gs pos="100000">
-                      <a:schemeClr val="tx1"/>
-                    </a:gs>
-                  </a:gsLst>
-                  <a:lin ang="5400000" scaled="1"/>
-                </a:gradFill>
-                <a:latin typeface="KoPub돋움체 Medium"/>
-                <a:ea typeface="KoPub돋움체 Medium"/>
-              </a:rPr>
-              <a:t>PPT</a:t>
-            </a:r>
-            <a:r>
-              <a:rPr lang="ko-KR" altLang="en-US" sz="1200">
-                <a:gradFill>
-                  <a:gsLst>
-                    <a:gs pos="0">
-                      <a:schemeClr val="tx1"/>
-                    </a:gs>
-                    <a:gs pos="100000">
-                      <a:schemeClr val="tx1"/>
-                    </a:gs>
-                  </a:gsLst>
-                  <a:lin ang="5400000" scaled="1"/>
-                </a:gradFill>
-                <a:latin typeface="KoPub돋움체 Medium"/>
-                <a:ea typeface="KoPub돋움체 Medium"/>
-              </a:rPr>
-              <a:t>는</a:t>
-            </a:r>
-            <a:endParaRPr lang="ko-KR" altLang="en-US" sz="1200">
-              <a:gradFill>
-                <a:gsLst>
-                  <a:gs pos="0">
-                    <a:schemeClr val="tx1"/>
-                  </a:gs>
-                  <a:gs pos="100000">
-                    <a:schemeClr val="tx1"/>
-                  </a:gs>
-                </a:gsLst>
-                <a:lin ang="5400000" scaled="1"/>
-              </a:gradFill>
-              <a:latin typeface="KoPub돋움체 Medium"/>
-              <a:ea typeface="KoPub돋움체 Medium"/>
-            </a:endParaRPr>
-          </a:p>
-          <a:p>
-            <a:pPr algn="ctr">
-              <a:defRPr/>
-            </a:pPr>
-            <a:r>
-              <a:rPr lang="ko-KR" altLang="en-US" sz="1200">
-                <a:gradFill>
-                  <a:gsLst>
-                    <a:gs pos="0">
-                      <a:schemeClr val="tx1"/>
-                    </a:gs>
-                    <a:gs pos="100000">
-                      <a:schemeClr val="tx1"/>
-                    </a:gs>
-                  </a:gsLst>
-                  <a:lin ang="5400000" scaled="1"/>
-                </a:gradFill>
-                <a:latin typeface="KoPub돋움체 Medium"/>
-                <a:ea typeface="KoPub돋움체 Medium"/>
-              </a:rPr>
-              <a:t>매주 수요일 업로드합니다</a:t>
-            </a:r>
-            <a:r>
-              <a:rPr lang="en-US" altLang="ko-KR" sz="1200">
-                <a:gradFill>
-                  <a:gsLst>
-                    <a:gs pos="0">
-                      <a:schemeClr val="tx1"/>
-                    </a:gs>
-                    <a:gs pos="100000">
-                      <a:schemeClr val="tx1"/>
-                    </a:gs>
-                  </a:gsLst>
-                  <a:lin ang="5400000" scaled="1"/>
-                </a:gradFill>
-                <a:latin typeface="KoPub돋움체 Medium"/>
-                <a:ea typeface="KoPub돋움체 Medium"/>
-              </a:rPr>
-              <a:t>.</a:t>
-            </a:r>
-            <a:endParaRPr lang="en-US" altLang="ko-KR" sz="1200">
-              <a:gradFill>
-                <a:gsLst>
-                  <a:gs pos="0">
-                    <a:schemeClr val="tx1"/>
-                  </a:gs>
-                  <a:gs pos="100000">
-                    <a:schemeClr val="tx1"/>
-                  </a:gs>
-                </a:gsLst>
-                <a:lin ang="5400000" scaled="1"/>
-              </a:gradFill>
-              <a:latin typeface="KoPub돋움체 Medium"/>
-              <a:ea typeface="KoPub돋움체 Medium"/>
-            </a:endParaRPr>
-          </a:p>
-          <a:p>
-            <a:pPr algn="ctr">
-              <a:defRPr/>
-            </a:pPr>
-            <a:endParaRPr lang="en-US" altLang="ko-KR" sz="1200">
-              <a:gradFill>
-                <a:gsLst>
-                  <a:gs pos="0">
-                    <a:schemeClr val="tx1"/>
-                  </a:gs>
-                  <a:gs pos="100000">
-                    <a:schemeClr val="tx1"/>
-                  </a:gs>
-                </a:gsLst>
-                <a:lin ang="5400000" scaled="1"/>
-              </a:gradFill>
-              <a:latin typeface="KoPub돋움체 Medium"/>
-              <a:ea typeface="KoPub돋움체 Medium"/>
-            </a:endParaRPr>
-          </a:p>
-          <a:p>
-            <a:pPr algn="ctr">
-              <a:defRPr/>
-            </a:pPr>
-            <a:r>
-              <a:rPr lang="ko-KR" altLang="en-US" sz="1200">
-                <a:gradFill>
-                  <a:gsLst>
-                    <a:gs pos="0">
-                      <a:schemeClr val="tx1"/>
-                    </a:gs>
-                    <a:gs pos="100000">
-                      <a:schemeClr val="tx1"/>
-                    </a:gs>
-                  </a:gsLst>
-                  <a:lin ang="5400000" scaled="1"/>
-                </a:gradFill>
-                <a:latin typeface="KoPub돋움체 Medium"/>
-                <a:ea typeface="KoPub돋움체 Medium"/>
-              </a:rPr>
-              <a:t>팡팡이의 </a:t>
-            </a:r>
-            <a:r>
-              <a:rPr lang="en-US" altLang="ko-KR" sz="1200">
-                <a:gradFill>
-                  <a:gsLst>
-                    <a:gs pos="0">
-                      <a:schemeClr val="tx1"/>
-                    </a:gs>
-                    <a:gs pos="100000">
-                      <a:schemeClr val="tx1"/>
-                    </a:gs>
-                  </a:gsLst>
-                  <a:lin ang="5400000" scaled="1"/>
-                </a:gradFill>
-                <a:latin typeface="KoPub돋움체 Medium"/>
-                <a:ea typeface="KoPub돋움체 Medium"/>
-              </a:rPr>
-              <a:t>PPT</a:t>
-            </a:r>
-            <a:r>
-              <a:rPr lang="ko-KR" altLang="en-US" sz="1200">
-                <a:gradFill>
-                  <a:gsLst>
-                    <a:gs pos="0">
-                      <a:schemeClr val="tx1"/>
-                    </a:gs>
-                    <a:gs pos="100000">
-                      <a:schemeClr val="tx1"/>
-                    </a:gs>
-                  </a:gsLst>
-                  <a:lin ang="5400000" scaled="1"/>
-                </a:gradFill>
-                <a:latin typeface="KoPub돋움체 Medium"/>
-                <a:ea typeface="KoPub돋움체 Medium"/>
-              </a:rPr>
-              <a:t>는</a:t>
-            </a:r>
-            <a:endParaRPr lang="ko-KR" altLang="en-US" sz="1200">
-              <a:gradFill>
-                <a:gsLst>
-                  <a:gs pos="0">
-                    <a:schemeClr val="tx1"/>
-                  </a:gs>
-                  <a:gs pos="100000">
-                    <a:schemeClr val="tx1"/>
-                  </a:gs>
-                </a:gsLst>
-                <a:lin ang="5400000" scaled="1"/>
-              </a:gradFill>
-              <a:latin typeface="KoPub돋움체 Medium"/>
-              <a:ea typeface="KoPub돋움체 Medium"/>
-            </a:endParaRPr>
-          </a:p>
-          <a:p>
-            <a:pPr algn="ctr">
-              <a:defRPr/>
-            </a:pPr>
-            <a:r>
-              <a:rPr lang="ko-KR" altLang="en-US" sz="1200">
-                <a:gradFill>
-                  <a:gsLst>
-                    <a:gs pos="0">
-                      <a:schemeClr val="tx1"/>
-                    </a:gs>
-                    <a:gs pos="100000">
-                      <a:schemeClr val="tx1"/>
-                    </a:gs>
-                  </a:gsLst>
-                  <a:lin ang="5400000" scaled="1"/>
-                </a:gradFill>
-                <a:latin typeface="KoPub돋움체 Medium"/>
-                <a:ea typeface="KoPub돋움체 Medium"/>
-              </a:rPr>
-              <a:t>매주 수요일 업로드합니다</a:t>
-            </a:r>
-            <a:r>
-              <a:rPr lang="en-US" altLang="ko-KR" sz="1200">
-                <a:gradFill>
-                  <a:gsLst>
-                    <a:gs pos="0">
-                      <a:schemeClr val="tx1"/>
-                    </a:gs>
-                    <a:gs pos="100000">
-                      <a:schemeClr val="tx1"/>
-                    </a:gs>
-                  </a:gsLst>
-                  <a:lin ang="5400000" scaled="1"/>
-                </a:gradFill>
-                <a:latin typeface="KoPub돋움체 Medium"/>
-                <a:ea typeface="KoPub돋움체 Medium"/>
-              </a:rPr>
-              <a:t>.</a:t>
-            </a:r>
-            <a:endParaRPr lang="en-US" altLang="ko-KR" sz="1200">
-              <a:gradFill>
-                <a:gsLst>
-                  <a:gs pos="0">
-                    <a:schemeClr val="tx1"/>
-                  </a:gs>
-                  <a:gs pos="100000">
-                    <a:schemeClr val="tx1"/>
-                  </a:gs>
-                </a:gsLst>
-                <a:lin ang="5400000" scaled="1"/>
-              </a:gradFill>
-              <a:latin typeface="KoPub돋움체 Medium"/>
-              <a:ea typeface="KoPub돋움체 Medium"/>
-            </a:endParaRPr>
-          </a:p>
-          <a:p>
-            <a:pPr algn="ctr">
-              <a:defRPr/>
-            </a:pPr>
-            <a:endParaRPr lang="en-US" altLang="ko-KR" sz="1200">
-              <a:gradFill>
-                <a:gsLst>
-                  <a:gs pos="0">
-                    <a:schemeClr val="tx1"/>
-                  </a:gs>
-                  <a:gs pos="100000">
-                    <a:schemeClr val="tx1"/>
-                  </a:gs>
-                </a:gsLst>
-                <a:lin ang="5400000" scaled="1"/>
-              </a:gradFill>
-              <a:latin typeface="KoPub돋움체 Medium"/>
-              <a:ea typeface="KoPub돋움체 Medium"/>
-            </a:endParaRPr>
-          </a:p>
-          <a:p>
-            <a:pPr algn="ctr">
-              <a:defRPr/>
-            </a:pPr>
-            <a:r>
-              <a:rPr lang="ko-KR" altLang="en-US" sz="1200">
-                <a:gradFill>
-                  <a:gsLst>
-                    <a:gs pos="0">
-                      <a:schemeClr val="tx1"/>
-                    </a:gs>
-                    <a:gs pos="100000">
-                      <a:schemeClr val="tx1"/>
-                    </a:gs>
-                  </a:gsLst>
-                  <a:lin ang="5400000" scaled="1"/>
-                </a:gradFill>
-                <a:latin typeface="KoPub돋움체 Medium"/>
-                <a:ea typeface="KoPub돋움체 Medium"/>
-              </a:rPr>
-              <a:t>팡팡이의 </a:t>
-            </a:r>
-            <a:r>
-              <a:rPr lang="en-US" altLang="ko-KR" sz="1200">
-                <a:gradFill>
-                  <a:gsLst>
-                    <a:gs pos="0">
-                      <a:schemeClr val="tx1"/>
-                    </a:gs>
-                    <a:gs pos="100000">
-                      <a:schemeClr val="tx1"/>
-                    </a:gs>
-                  </a:gsLst>
-                  <a:lin ang="5400000" scaled="1"/>
-                </a:gradFill>
-                <a:latin typeface="KoPub돋움체 Medium"/>
-                <a:ea typeface="KoPub돋움체 Medium"/>
-              </a:rPr>
-              <a:t>PPT</a:t>
-            </a:r>
-            <a:r>
-              <a:rPr lang="ko-KR" altLang="en-US" sz="1200">
-                <a:gradFill>
-                  <a:gsLst>
-                    <a:gs pos="0">
-                      <a:schemeClr val="tx1"/>
-                    </a:gs>
-                    <a:gs pos="100000">
-                      <a:schemeClr val="tx1"/>
-                    </a:gs>
-                  </a:gsLst>
-                  <a:lin ang="5400000" scaled="1"/>
-                </a:gradFill>
-                <a:latin typeface="KoPub돋움체 Medium"/>
-                <a:ea typeface="KoPub돋움체 Medium"/>
-              </a:rPr>
-              <a:t>는</a:t>
-            </a:r>
-            <a:endParaRPr lang="ko-KR" altLang="en-US" sz="1200">
-              <a:gradFill>
-                <a:gsLst>
-                  <a:gs pos="0">
-                    <a:schemeClr val="tx1"/>
-                  </a:gs>
-                  <a:gs pos="100000">
-                    <a:schemeClr val="tx1"/>
-                  </a:gs>
-                </a:gsLst>
-                <a:lin ang="5400000" scaled="1"/>
-              </a:gradFill>
-              <a:latin typeface="KoPub돋움체 Medium"/>
-              <a:ea typeface="KoPub돋움체 Medium"/>
-            </a:endParaRPr>
-          </a:p>
-          <a:p>
-            <a:pPr algn="ctr">
-              <a:defRPr/>
-            </a:pPr>
-            <a:r>
-              <a:rPr lang="ko-KR" altLang="en-US" sz="1200">
-                <a:gradFill>
-                  <a:gsLst>
-                    <a:gs pos="0">
-                      <a:schemeClr val="tx1"/>
-                    </a:gs>
-                    <a:gs pos="100000">
-                      <a:schemeClr val="tx1"/>
-                    </a:gs>
-                  </a:gsLst>
-                  <a:lin ang="5400000" scaled="1"/>
-                </a:gradFill>
-                <a:latin typeface="KoPub돋움체 Medium"/>
-                <a:ea typeface="KoPub돋움체 Medium"/>
-              </a:rPr>
-              <a:t>매주 수요일 업로드합니다</a:t>
-            </a:r>
-            <a:r>
-              <a:rPr lang="en-US" altLang="ko-KR" sz="1200">
-                <a:gradFill>
-                  <a:gsLst>
-                    <a:gs pos="0">
-                      <a:schemeClr val="tx1"/>
-                    </a:gs>
-                    <a:gs pos="100000">
-                      <a:schemeClr val="tx1"/>
-                    </a:gs>
-                  </a:gsLst>
-                  <a:lin ang="5400000" scaled="1"/>
-                </a:gradFill>
-                <a:latin typeface="KoPub돋움체 Medium"/>
-                <a:ea typeface="KoPub돋움체 Medium"/>
-              </a:rPr>
-              <a:t>.</a:t>
-            </a:r>
-            <a:endParaRPr lang="en-US" altLang="ko-KR" sz="1200">
-              <a:gradFill>
-                <a:gsLst>
-                  <a:gs pos="0">
-                    <a:schemeClr val="tx1"/>
-                  </a:gs>
-                  <a:gs pos="100000">
-                    <a:schemeClr val="tx1"/>
-                  </a:gs>
-                </a:gsLst>
-                <a:lin ang="5400000" scaled="1"/>
-              </a:gradFill>
-              <a:latin typeface="KoPub돋움체 Medium"/>
-              <a:ea typeface="KoPub돋움체 Medium"/>
-            </a:endParaRPr>
-          </a:p>
-          <a:p>
-            <a:pPr algn="ctr">
-              <a:defRPr/>
-            </a:pPr>
-            <a:endParaRPr lang="en-US" altLang="ko-KR" sz="1200">
-              <a:gradFill>
-                <a:gsLst>
-                  <a:gs pos="0">
-                    <a:schemeClr val="tx1"/>
-                  </a:gs>
-                  <a:gs pos="100000">
-                    <a:schemeClr val="tx1"/>
-                  </a:gs>
-                </a:gsLst>
-                <a:lin ang="5400000" scaled="1"/>
-              </a:gradFill>
-              <a:latin typeface="KoPub돋움체 Medium"/>
-              <a:ea typeface="KoPub돋움체 Medium"/>
-            </a:endParaRPr>
-          </a:p>
-        </p:txBody>
-      </p:sp>
-      <p:sp>
-        <p:nvSpPr>
-          <p:cNvPr id="41" name="TextBox 40"/>
-          <p:cNvSpPr txBox="1"/>
-          <p:nvPr/>
-        </p:nvSpPr>
-        <p:spPr>
-          <a:xfrm>
-            <a:off x="3785235" y="2801223"/>
-            <a:ext cx="1964055" cy="263922"/>
-          </a:xfrm>
-          <a:prstGeom prst="rect">
-            <a:avLst/>
-          </a:prstGeom>
-          <a:noFill/>
-        </p:spPr>
-        <p:txBody>
-          <a:bodyPr wrap="none">
-            <a:spAutoFit/>
-          </a:bodyPr>
-          <a:lstStyle/>
-          <a:p>
-            <a:pPr algn="ctr">
-              <a:defRPr/>
-            </a:pPr>
-            <a:r>
-              <a:rPr lang="ko-KR" altLang="en-US" sz="1200">
-                <a:gradFill>
-                  <a:gsLst>
-                    <a:gs pos="0">
-                      <a:schemeClr val="bg1"/>
-                    </a:gs>
-                    <a:gs pos="100000">
-                      <a:schemeClr val="bg1"/>
-                    </a:gs>
-                  </a:gsLst>
-                  <a:lin ang="5400000" scaled="1"/>
-                </a:gradFill>
-                <a:latin typeface="KoPub돋움체 Bold"/>
-                <a:ea typeface="KoPub돋움체 Bold"/>
-              </a:rPr>
-              <a:t>한국정보문화콘텐츠기술원</a:t>
-            </a:r>
-            <a:endParaRPr lang="en-US" altLang="ko-KR" sz="1200">
-              <a:gradFill>
-                <a:gsLst>
-                  <a:gs pos="0">
-                    <a:schemeClr val="bg1"/>
-                  </a:gs>
-                  <a:gs pos="100000">
-                    <a:schemeClr val="bg1"/>
-                  </a:gs>
-                </a:gsLst>
-                <a:lin ang="5400000" scaled="1"/>
-              </a:gradFill>
-              <a:latin typeface="KoPub돋움체 Bold"/>
-              <a:ea typeface="KoPub돋움체 Bold"/>
-            </a:endParaRPr>
-          </a:p>
-        </p:txBody>
-      </p:sp>
-      <p:grpSp>
-        <p:nvGrpSpPr>
-          <p:cNvPr id="44" name="그룹 43"/>
-          <p:cNvGrpSpPr/>
-          <p:nvPr/>
-        </p:nvGrpSpPr>
-        <p:grpSpPr>
-          <a:xfrm rot="0">
-            <a:off x="9121240" y="1054211"/>
-            <a:ext cx="1890093" cy="2024011"/>
-            <a:chOff x="3789048" y="776813"/>
-            <a:chExt cx="1890093" cy="2024011"/>
-          </a:xfrm>
-        </p:grpSpPr>
-        <p:sp>
-          <p:nvSpPr>
-            <p:cNvPr id="45" name="직사각형 44"/>
-            <p:cNvSpPr/>
-            <p:nvPr/>
-          </p:nvSpPr>
-          <p:spPr>
-            <a:xfrm>
-              <a:off x="3789048" y="2513148"/>
-              <a:ext cx="1890093" cy="287676"/>
-            </a:xfrm>
-            <a:prstGeom prst="rect">
-              <a:avLst/>
-            </a:prstGeom>
-            <a:solidFill>
-              <a:srgbClr val="40656b"/>
-            </a:solidFill>
-            <a:ln>
-              <a:noFill/>
-            </a:ln>
-          </p:spPr>
-          <p:style>
-            <a:lnRef idx="2">
-              <a:schemeClr val="accent1">
-                <a:shade val="50000"/>
-              </a:schemeClr>
-            </a:lnRef>
-            <a:fillRef idx="1">
-              <a:schemeClr val="accent1"/>
-            </a:fillRef>
-            <a:effectRef idx="0">
-              <a:schemeClr val="accent1"/>
-            </a:effectRef>
-            <a:fontRef idx="minor">
-              <a:schemeClr val="lt1"/>
-            </a:fontRef>
-          </p:style>
-          <p:txBody>
-            <a:bodyPr rot="0" vert="horz" wrap="square" lIns="91440" tIns="45720" rIns="91440" bIns="45720" anchor="ctr" anchorCtr="0">
-              <a:prstTxWarp prst="textNoShape">
-                <a:avLst/>
-              </a:prstTxWarp>
-              <a:noAutofit/>
-            </a:bodyPr>
-            <a:lstStyle/>
-            <a:p>
-              <a:pPr algn="ctr">
-                <a:defRPr/>
-              </a:pPr>
-              <a:endParaRPr lang="ko-KR" altLang="en-US"/>
-            </a:p>
-          </p:txBody>
-        </p:sp>
-        <p:sp>
-          <p:nvSpPr>
-            <p:cNvPr id="46" name="직사각형 45"/>
-            <p:cNvSpPr/>
-            <p:nvPr/>
-          </p:nvSpPr>
-          <p:spPr>
-            <a:xfrm>
-              <a:off x="3789048" y="776813"/>
-              <a:ext cx="1890093" cy="1740347"/>
-            </a:xfrm>
-            <a:prstGeom prst="rect">
-              <a:avLst/>
-            </a:prstGeom>
-            <a:solidFill>
-              <a:schemeClr val="bg1">
-                <a:lumMod val="95000"/>
-              </a:schemeClr>
-            </a:solidFill>
-            <a:ln>
-              <a:noFill/>
-            </a:ln>
-          </p:spPr>
-          <p:style>
-            <a:lnRef idx="2">
-              <a:schemeClr val="accent1">
-                <a:shade val="50000"/>
-              </a:schemeClr>
-            </a:lnRef>
-            <a:fillRef idx="1">
-              <a:schemeClr val="accent1"/>
-            </a:fillRef>
-            <a:effectRef idx="0">
-              <a:schemeClr val="accent1"/>
-            </a:effectRef>
-            <a:fontRef idx="minor">
-              <a:schemeClr val="lt1"/>
-            </a:fontRef>
-          </p:style>
-          <p:txBody>
-            <a:bodyPr anchor="ctr"/>
-            <a:lstStyle/>
-            <a:p>
-              <a:pPr algn="ctr">
-                <a:defRPr/>
-              </a:pPr>
-              <a:endParaRPr lang="ko-KR" altLang="en-US"/>
-            </a:p>
-          </p:txBody>
-        </p:sp>
-      </p:grpSp>
-      <p:sp>
-        <p:nvSpPr>
-          <p:cNvPr id="47" name="TextBox 46"/>
-          <p:cNvSpPr txBox="1"/>
-          <p:nvPr/>
-        </p:nvSpPr>
-        <p:spPr>
-          <a:xfrm>
-            <a:off x="8995410" y="1141874"/>
-            <a:ext cx="2145030" cy="1732771"/>
-          </a:xfrm>
-          <a:prstGeom prst="rect">
-            <a:avLst/>
-          </a:prstGeom>
-          <a:noFill/>
-        </p:spPr>
-        <p:txBody>
-          <a:bodyPr wrap="none">
-            <a:spAutoFit/>
-          </a:bodyPr>
-          <a:lstStyle/>
-          <a:p>
-            <a:pPr algn="ctr">
-              <a:defRPr/>
-            </a:pPr>
-            <a:r>
-              <a:rPr lang="ko-KR" altLang="en-US" sz="1200">
-                <a:gradFill>
-                  <a:gsLst>
-                    <a:gs pos="0">
-                      <a:schemeClr val="tx1"/>
-                    </a:gs>
-                    <a:gs pos="100000">
-                      <a:schemeClr val="tx1"/>
-                    </a:gs>
-                  </a:gsLst>
-                  <a:lin ang="5400000" scaled="1"/>
-                </a:gradFill>
-                <a:latin typeface="KoPub돋움체 Medium"/>
-                <a:ea typeface="KoPub돋움체 Medium"/>
-              </a:rPr>
-              <a:t>팡팡이의 부산취재는</a:t>
-            </a:r>
-            <a:endParaRPr lang="ko-KR" altLang="en-US" sz="1200">
-              <a:gradFill>
-                <a:gsLst>
-                  <a:gs pos="0">
-                    <a:schemeClr val="tx1"/>
-                  </a:gs>
-                  <a:gs pos="100000">
-                    <a:schemeClr val="tx1"/>
-                  </a:gs>
-                </a:gsLst>
-                <a:lin ang="5400000" scaled="1"/>
-              </a:gradFill>
-              <a:latin typeface="KoPub돋움체 Medium"/>
-              <a:ea typeface="KoPub돋움체 Medium"/>
-            </a:endParaRPr>
-          </a:p>
-          <a:p>
-            <a:pPr algn="ctr">
-              <a:defRPr/>
-            </a:pPr>
-            <a:r>
-              <a:rPr lang="ko-KR" altLang="en-US" sz="1200">
-                <a:gradFill>
-                  <a:gsLst>
-                    <a:gs pos="0">
-                      <a:schemeClr val="tx1"/>
-                    </a:gs>
-                    <a:gs pos="100000">
-                      <a:schemeClr val="tx1"/>
-                    </a:gs>
-                  </a:gsLst>
-                  <a:lin ang="5400000" scaled="1"/>
-                </a:gradFill>
-                <a:latin typeface="KoPub돋움체 Medium"/>
-                <a:ea typeface="KoPub돋움체 Medium"/>
-              </a:rPr>
-              <a:t>축제가 있을 때 업로드합니다</a:t>
-            </a:r>
-            <a:r>
-              <a:rPr lang="en-US" altLang="ko-KR" sz="1200">
-                <a:gradFill>
-                  <a:gsLst>
-                    <a:gs pos="0">
-                      <a:schemeClr val="tx1"/>
-                    </a:gs>
-                    <a:gs pos="100000">
-                      <a:schemeClr val="tx1"/>
-                    </a:gs>
-                  </a:gsLst>
-                  <a:lin ang="5400000" scaled="1"/>
-                </a:gradFill>
-                <a:latin typeface="KoPub돋움체 Medium"/>
-                <a:ea typeface="KoPub돋움체 Medium"/>
-              </a:rPr>
-              <a:t>.</a:t>
-            </a:r>
-            <a:endParaRPr lang="en-US" altLang="ko-KR" sz="1200">
-              <a:gradFill>
-                <a:gsLst>
-                  <a:gs pos="0">
-                    <a:schemeClr val="tx1"/>
-                  </a:gs>
-                  <a:gs pos="100000">
-                    <a:schemeClr val="tx1"/>
-                  </a:gs>
-                </a:gsLst>
-                <a:lin ang="5400000" scaled="1"/>
-              </a:gradFill>
-              <a:latin typeface="KoPub돋움체 Medium"/>
-              <a:ea typeface="KoPub돋움체 Medium"/>
-            </a:endParaRPr>
-          </a:p>
-          <a:p>
-            <a:pPr algn="ctr">
-              <a:defRPr/>
-            </a:pPr>
-            <a:endParaRPr lang="en-US" altLang="ko-KR" sz="1200">
-              <a:gradFill>
-                <a:gsLst>
-                  <a:gs pos="0">
-                    <a:schemeClr val="tx1"/>
-                  </a:gs>
-                  <a:gs pos="100000">
-                    <a:schemeClr val="tx1"/>
-                  </a:gs>
-                </a:gsLst>
-                <a:lin ang="5400000" scaled="1"/>
-              </a:gradFill>
-              <a:latin typeface="KoPub돋움체 Medium"/>
-              <a:ea typeface="KoPub돋움체 Medium"/>
-            </a:endParaRPr>
-          </a:p>
-          <a:p>
-            <a:pPr algn="ctr">
-              <a:defRPr/>
-            </a:pPr>
-            <a:r>
-              <a:rPr lang="ko-KR" altLang="en-US" sz="1200">
-                <a:gradFill>
-                  <a:gsLst>
-                    <a:gs pos="0">
-                      <a:schemeClr val="tx1"/>
-                    </a:gs>
-                    <a:gs pos="100000">
-                      <a:schemeClr val="tx1"/>
-                    </a:gs>
-                  </a:gsLst>
-                  <a:lin ang="5400000" scaled="1"/>
-                </a:gradFill>
-                <a:latin typeface="KoPub돋움체 Medium"/>
-                <a:ea typeface="KoPub돋움체 Medium"/>
-              </a:rPr>
-              <a:t>팡팡이의 부산취재는</a:t>
-            </a:r>
-            <a:endParaRPr lang="ko-KR" altLang="en-US" sz="1200">
-              <a:gradFill>
-                <a:gsLst>
-                  <a:gs pos="0">
-                    <a:schemeClr val="tx1"/>
-                  </a:gs>
-                  <a:gs pos="100000">
-                    <a:schemeClr val="tx1"/>
-                  </a:gs>
-                </a:gsLst>
-                <a:lin ang="5400000" scaled="1"/>
-              </a:gradFill>
-              <a:latin typeface="KoPub돋움체 Medium"/>
-              <a:ea typeface="KoPub돋움체 Medium"/>
-            </a:endParaRPr>
-          </a:p>
-          <a:p>
-            <a:pPr algn="ctr">
-              <a:defRPr/>
-            </a:pPr>
-            <a:r>
-              <a:rPr lang="ko-KR" altLang="en-US" sz="1200">
-                <a:gradFill>
-                  <a:gsLst>
-                    <a:gs pos="0">
-                      <a:schemeClr val="tx1"/>
-                    </a:gs>
-                    <a:gs pos="100000">
-                      <a:schemeClr val="tx1"/>
-                    </a:gs>
-                  </a:gsLst>
-                  <a:lin ang="5400000" scaled="1"/>
-                </a:gradFill>
-                <a:latin typeface="KoPub돋움체 Medium"/>
-                <a:ea typeface="KoPub돋움체 Medium"/>
-              </a:rPr>
-              <a:t>축제가 있을 때 업로드합니다</a:t>
-            </a:r>
-            <a:r>
-              <a:rPr lang="en-US" altLang="ko-KR" sz="1200">
-                <a:gradFill>
-                  <a:gsLst>
-                    <a:gs pos="0">
-                      <a:schemeClr val="tx1"/>
-                    </a:gs>
-                    <a:gs pos="100000">
-                      <a:schemeClr val="tx1"/>
-                    </a:gs>
-                  </a:gsLst>
-                  <a:lin ang="5400000" scaled="1"/>
-                </a:gradFill>
-                <a:latin typeface="KoPub돋움체 Medium"/>
-                <a:ea typeface="KoPub돋움체 Medium"/>
-              </a:rPr>
-              <a:t>.</a:t>
-            </a:r>
-            <a:endParaRPr lang="en-US" altLang="ko-KR" sz="1200">
-              <a:gradFill>
-                <a:gsLst>
-                  <a:gs pos="0">
-                    <a:schemeClr val="tx1"/>
-                  </a:gs>
-                  <a:gs pos="100000">
-                    <a:schemeClr val="tx1"/>
-                  </a:gs>
-                </a:gsLst>
-                <a:lin ang="5400000" scaled="1"/>
-              </a:gradFill>
-              <a:latin typeface="KoPub돋움체 Medium"/>
-              <a:ea typeface="KoPub돋움체 Medium"/>
-            </a:endParaRPr>
-          </a:p>
-          <a:p>
-            <a:pPr algn="ctr">
-              <a:defRPr/>
-            </a:pPr>
-            <a:endParaRPr lang="en-US" altLang="ko-KR" sz="1200">
-              <a:gradFill>
-                <a:gsLst>
-                  <a:gs pos="0">
-                    <a:schemeClr val="tx1"/>
-                  </a:gs>
-                  <a:gs pos="100000">
-                    <a:schemeClr val="tx1"/>
-                  </a:gs>
-                </a:gsLst>
-                <a:lin ang="5400000" scaled="1"/>
-              </a:gradFill>
-              <a:latin typeface="KoPub돋움체 Medium"/>
-              <a:ea typeface="KoPub돋움체 Medium"/>
-            </a:endParaRPr>
-          </a:p>
-          <a:p>
-            <a:pPr algn="ctr">
-              <a:defRPr/>
-            </a:pPr>
-            <a:r>
-              <a:rPr lang="ko-KR" altLang="en-US" sz="1200">
-                <a:gradFill>
-                  <a:gsLst>
-                    <a:gs pos="0">
-                      <a:schemeClr val="tx1"/>
-                    </a:gs>
-                    <a:gs pos="100000">
-                      <a:schemeClr val="tx1"/>
-                    </a:gs>
-                  </a:gsLst>
-                  <a:lin ang="5400000" scaled="1"/>
-                </a:gradFill>
-                <a:latin typeface="KoPub돋움체 Medium"/>
-                <a:ea typeface="KoPub돋움체 Medium"/>
-              </a:rPr>
-              <a:t>팡팡이의 부산취재는</a:t>
-            </a:r>
-            <a:endParaRPr lang="ko-KR" altLang="en-US" sz="1200">
-              <a:gradFill>
-                <a:gsLst>
-                  <a:gs pos="0">
-                    <a:schemeClr val="tx1"/>
-                  </a:gs>
-                  <a:gs pos="100000">
-                    <a:schemeClr val="tx1"/>
-                  </a:gs>
-                </a:gsLst>
-                <a:lin ang="5400000" scaled="1"/>
-              </a:gradFill>
-              <a:latin typeface="KoPub돋움체 Medium"/>
-              <a:ea typeface="KoPub돋움체 Medium"/>
-            </a:endParaRPr>
-          </a:p>
-          <a:p>
-            <a:pPr algn="ctr">
-              <a:defRPr/>
-            </a:pPr>
-            <a:r>
-              <a:rPr lang="ko-KR" altLang="en-US" sz="1200">
-                <a:gradFill>
-                  <a:gsLst>
-                    <a:gs pos="0">
-                      <a:schemeClr val="tx1"/>
-                    </a:gs>
-                    <a:gs pos="100000">
-                      <a:schemeClr val="tx1"/>
-                    </a:gs>
-                  </a:gsLst>
-                  <a:lin ang="5400000" scaled="1"/>
-                </a:gradFill>
-                <a:latin typeface="KoPub돋움체 Medium"/>
-                <a:ea typeface="KoPub돋움체 Medium"/>
-              </a:rPr>
-              <a:t>축제가 있을 때 업로드합니다</a:t>
-            </a:r>
-            <a:r>
-              <a:rPr lang="en-US" altLang="ko-KR" sz="1200">
-                <a:gradFill>
-                  <a:gsLst>
-                    <a:gs pos="0">
-                      <a:schemeClr val="tx1"/>
-                    </a:gs>
-                    <a:gs pos="100000">
-                      <a:schemeClr val="tx1"/>
-                    </a:gs>
-                  </a:gsLst>
-                  <a:lin ang="5400000" scaled="1"/>
-                </a:gradFill>
-                <a:latin typeface="KoPub돋움체 Medium"/>
-                <a:ea typeface="KoPub돋움체 Medium"/>
-              </a:rPr>
-              <a:t>.</a:t>
-            </a:r>
-            <a:endParaRPr lang="en-US" altLang="ko-KR" sz="1200">
-              <a:gradFill>
-                <a:gsLst>
-                  <a:gs pos="0">
-                    <a:schemeClr val="tx1"/>
-                  </a:gs>
-                  <a:gs pos="100000">
-                    <a:schemeClr val="tx1"/>
-                  </a:gs>
-                </a:gsLst>
-                <a:lin ang="5400000" scaled="1"/>
-              </a:gradFill>
-              <a:latin typeface="KoPub돋움체 Medium"/>
-              <a:ea typeface="KoPub돋움체 Medium"/>
-            </a:endParaRPr>
-          </a:p>
-          <a:p>
-            <a:pPr algn="ctr">
-              <a:defRPr/>
-            </a:pPr>
-            <a:endParaRPr lang="en-US" altLang="ko-KR" sz="1200">
-              <a:gradFill>
-                <a:gsLst>
-                  <a:gs pos="0">
-                    <a:schemeClr val="tx1"/>
-                  </a:gs>
-                  <a:gs pos="100000">
-                    <a:schemeClr val="tx1"/>
-                  </a:gs>
-                </a:gsLst>
-                <a:lin ang="5400000" scaled="1"/>
-              </a:gradFill>
-              <a:latin typeface="KoPub돋움체 Medium"/>
-              <a:ea typeface="KoPub돋움체 Medium"/>
-            </a:endParaRPr>
-          </a:p>
-        </p:txBody>
-      </p:sp>
-      <p:sp>
-        <p:nvSpPr>
-          <p:cNvPr id="48" name="TextBox 47"/>
-          <p:cNvSpPr txBox="1"/>
-          <p:nvPr/>
-        </p:nvSpPr>
-        <p:spPr>
-          <a:xfrm>
-            <a:off x="9081135" y="2801223"/>
-            <a:ext cx="1964055" cy="263922"/>
-          </a:xfrm>
-          <a:prstGeom prst="rect">
-            <a:avLst/>
-          </a:prstGeom>
-          <a:noFill/>
-        </p:spPr>
-        <p:txBody>
-          <a:bodyPr wrap="none">
-            <a:spAutoFit/>
-          </a:bodyPr>
-          <a:lstStyle/>
-          <a:p>
-            <a:pPr algn="ctr">
-              <a:defRPr/>
-            </a:pPr>
-            <a:r>
-              <a:rPr lang="ko-KR" altLang="en-US" sz="1200">
-                <a:gradFill>
-                  <a:gsLst>
-                    <a:gs pos="0">
-                      <a:schemeClr val="bg1"/>
-                    </a:gs>
-                    <a:gs pos="100000">
-                      <a:schemeClr val="bg1"/>
-                    </a:gs>
-                  </a:gsLst>
-                  <a:lin ang="5400000" scaled="1"/>
-                </a:gradFill>
-                <a:latin typeface="KoPub돋움체 Bold"/>
-                <a:ea typeface="KoPub돋움체 Bold"/>
-              </a:rPr>
-              <a:t>한국정보문화콘텐츠기술원</a:t>
-            </a:r>
-            <a:endParaRPr lang="en-US" altLang="ko-KR" sz="1200">
-              <a:gradFill>
-                <a:gsLst>
-                  <a:gs pos="0">
-                    <a:schemeClr val="bg1"/>
-                  </a:gs>
-                  <a:gs pos="100000">
-                    <a:schemeClr val="bg1"/>
-                  </a:gs>
-                </a:gsLst>
-                <a:lin ang="5400000" scaled="1"/>
-              </a:gradFill>
-              <a:latin typeface="KoPub돋움체 Bold"/>
-              <a:ea typeface="KoPub돋움체 Bold"/>
-            </a:endParaRPr>
-          </a:p>
-        </p:txBody>
-      </p:sp>
     </p:spTree>
   </p:cSld>
   <p:clrMapOvr>
@@ -25881,7 +23560,7 @@
         <p:spPr>
           <a:xfrm>
             <a:off x="283097" y="26826"/>
-            <a:ext cx="4770868" cy="771369"/>
+            <a:ext cx="5885293" cy="771369"/>
           </a:xfrm>
           <a:prstGeom prst="rect">
             <a:avLst/>
@@ -25897,24 +23576,6 @@
             <a:pPr lvl="0">
               <a:defRPr/>
             </a:pPr>
-            <a:r>
-              <a:rPr lang="en-US" altLang="ko-KR" sz="4500" b="1">
-                <a:gradFill>
-                  <a:gsLst>
-                    <a:gs pos="0">
-                      <a:schemeClr val="bg1"/>
-                    </a:gs>
-                    <a:gs pos="100000">
-                      <a:schemeClr val="bg1"/>
-                    </a:gs>
-                  </a:gsLst>
-                  <a:lin ang="5400000" scaled="1"/>
-                </a:gradFill>
-                <a:latin typeface="KoPub돋움체 Bold"/>
-                <a:ea typeface="KoPub돋움체 Bold"/>
-              </a:rPr>
-              <a:t>- </a:t>
-            </a:r>
             <a:r>
               <a:rPr lang="ko-KR" altLang="en-US" sz="4500" b="1">
                 <a:gradFill>
